--- a/201608LabPresentation.pptx
+++ b/201608LabPresentation.pptx
@@ -6,8 +6,13 @@
   </p:sldMasterIdLst>
   <p:sldIdLst>
     <p:sldId id="256" r:id="rId2"/>
-    <p:sldId id="257" r:id="rId3"/>
-    <p:sldId id="258" r:id="rId4"/>
+    <p:sldId id="259" r:id="rId3"/>
+    <p:sldId id="260" r:id="rId4"/>
+    <p:sldId id="261" r:id="rId5"/>
+    <p:sldId id="257" r:id="rId6"/>
+    <p:sldId id="262" r:id="rId7"/>
+    <p:sldId id="263" r:id="rId8"/>
+    <p:sldId id="264" r:id="rId9"/>
   </p:sldIdLst>
   <p:sldSz cx="9144000" cy="6858000" type="screen4x3"/>
   <p:notesSz cx="6858000" cy="9144000"/>
@@ -290,7 +295,7 @@
           <a:p>
             <a:fld id="{13872EE4-0EC0-AB48-A108-1BE3421C3E1A}" type="datetimeFigureOut">
               <a:rPr lang="en-US" smtClean="0"/>
-              <a:t>8/5/16</a:t>
+              <a:t>8/8/16</a:t>
             </a:fld>
             <a:endParaRPr lang="en-US"/>
           </a:p>
@@ -460,7 +465,7 @@
           <a:p>
             <a:fld id="{13872EE4-0EC0-AB48-A108-1BE3421C3E1A}" type="datetimeFigureOut">
               <a:rPr lang="en-US" smtClean="0"/>
-              <a:t>8/5/16</a:t>
+              <a:t>8/8/16</a:t>
             </a:fld>
             <a:endParaRPr lang="en-US"/>
           </a:p>
@@ -640,7 +645,7 @@
           <a:p>
             <a:fld id="{13872EE4-0EC0-AB48-A108-1BE3421C3E1A}" type="datetimeFigureOut">
               <a:rPr lang="en-US" smtClean="0"/>
-              <a:t>8/5/16</a:t>
+              <a:t>8/8/16</a:t>
             </a:fld>
             <a:endParaRPr lang="en-US"/>
           </a:p>
@@ -810,7 +815,7 @@
           <a:p>
             <a:fld id="{13872EE4-0EC0-AB48-A108-1BE3421C3E1A}" type="datetimeFigureOut">
               <a:rPr lang="en-US" smtClean="0"/>
-              <a:t>8/5/16</a:t>
+              <a:t>8/8/16</a:t>
             </a:fld>
             <a:endParaRPr lang="en-US"/>
           </a:p>
@@ -1056,7 +1061,7 @@
           <a:p>
             <a:fld id="{13872EE4-0EC0-AB48-A108-1BE3421C3E1A}" type="datetimeFigureOut">
               <a:rPr lang="en-US" smtClean="0"/>
-              <a:t>8/5/16</a:t>
+              <a:t>8/8/16</a:t>
             </a:fld>
             <a:endParaRPr lang="en-US"/>
           </a:p>
@@ -1344,7 +1349,7 @@
           <a:p>
             <a:fld id="{13872EE4-0EC0-AB48-A108-1BE3421C3E1A}" type="datetimeFigureOut">
               <a:rPr lang="en-US" smtClean="0"/>
-              <a:t>8/5/16</a:t>
+              <a:t>8/8/16</a:t>
             </a:fld>
             <a:endParaRPr lang="en-US"/>
           </a:p>
@@ -1766,7 +1771,7 @@
           <a:p>
             <a:fld id="{13872EE4-0EC0-AB48-A108-1BE3421C3E1A}" type="datetimeFigureOut">
               <a:rPr lang="en-US" smtClean="0"/>
-              <a:t>8/5/16</a:t>
+              <a:t>8/8/16</a:t>
             </a:fld>
             <a:endParaRPr lang="en-US"/>
           </a:p>
@@ -1884,7 +1889,7 @@
           <a:p>
             <a:fld id="{13872EE4-0EC0-AB48-A108-1BE3421C3E1A}" type="datetimeFigureOut">
               <a:rPr lang="en-US" smtClean="0"/>
-              <a:t>8/5/16</a:t>
+              <a:t>8/8/16</a:t>
             </a:fld>
             <a:endParaRPr lang="en-US"/>
           </a:p>
@@ -1979,7 +1984,7 @@
           <a:p>
             <a:fld id="{13872EE4-0EC0-AB48-A108-1BE3421C3E1A}" type="datetimeFigureOut">
               <a:rPr lang="en-US" smtClean="0"/>
-              <a:t>8/5/16</a:t>
+              <a:t>8/8/16</a:t>
             </a:fld>
             <a:endParaRPr lang="en-US"/>
           </a:p>
@@ -2256,7 +2261,7 @@
           <a:p>
             <a:fld id="{13872EE4-0EC0-AB48-A108-1BE3421C3E1A}" type="datetimeFigureOut">
               <a:rPr lang="en-US" smtClean="0"/>
-              <a:t>8/5/16</a:t>
+              <a:t>8/8/16</a:t>
             </a:fld>
             <a:endParaRPr lang="en-US"/>
           </a:p>
@@ -2509,7 +2514,7 @@
           <a:p>
             <a:fld id="{13872EE4-0EC0-AB48-A108-1BE3421C3E1A}" type="datetimeFigureOut">
               <a:rPr lang="en-US" smtClean="0"/>
-              <a:t>8/5/16</a:t>
+              <a:t>8/8/16</a:t>
             </a:fld>
             <a:endParaRPr lang="en-US"/>
           </a:p>
@@ -2722,7 +2727,7 @@
           <a:p>
             <a:fld id="{13872EE4-0EC0-AB48-A108-1BE3421C3E1A}" type="datetimeFigureOut">
               <a:rPr lang="en-US" smtClean="0"/>
-              <a:t>8/5/16</a:t>
+              <a:t>8/8/16</a:t>
             </a:fld>
             <a:endParaRPr lang="en-US"/>
           </a:p>
@@ -3120,14 +3125,18 @@
           <a:lstStyle/>
           <a:p>
             <a:r>
-              <a:rPr lang="en-US" sz="3300" dirty="0" smtClean="0"/>
-              <a:t>Considerations Arising from an Updated </a:t>
-            </a:r>
-            <a:r>
-              <a:rPr lang="en-US" sz="3300" dirty="0" smtClean="0"/>
-              <a:t>Computational Model of Early Arithmetic Skills and Knowledge</a:t>
-            </a:r>
-            <a:endParaRPr lang="en-US" sz="3300" dirty="0"/>
+              <a:rPr lang="en-US" sz="2800" dirty="0" smtClean="0"/>
+              <a:t>Considerations Arising from an Updated Computational Model of Early </a:t>
+            </a:r>
+            <a:r>
+              <a:rPr lang="en-US" sz="2800" dirty="0" smtClean="0"/>
+              <a:t>Math Skills </a:t>
+            </a:r>
+            <a:r>
+              <a:rPr lang="en-US" sz="2800" dirty="0" smtClean="0"/>
+              <a:t>and Knowledge</a:t>
+            </a:r>
+            <a:endParaRPr lang="en-US" sz="2800" dirty="0"/>
           </a:p>
         </p:txBody>
       </p:sp>
@@ -3143,19 +3152,19 @@
         </p:nvSpPr>
         <p:spPr>
           <a:xfrm>
-            <a:off x="1252817" y="2735015"/>
-            <a:ext cx="6400800" cy="1752600"/>
+            <a:off x="854736" y="2621288"/>
+            <a:ext cx="7523907" cy="1752600"/>
           </a:xfrm>
         </p:spPr>
         <p:txBody>
           <a:bodyPr>
-            <a:normAutofit fontScale="77500" lnSpcReduction="20000"/>
+            <a:noAutofit/>
           </a:bodyPr>
           <a:lstStyle/>
           <a:p>
             <a:pPr algn="l"/>
             <a:r>
-              <a:rPr lang="en-US" dirty="0" err="1" smtClean="0">
+              <a:rPr lang="en-US" sz="2800" dirty="0" err="1" smtClean="0">
                 <a:solidFill>
                   <a:schemeClr val="tx1"/>
                 </a:solidFill>
@@ -3163,15 +3172,31 @@
               <a:t>Menon</a:t>
             </a:r>
             <a:r>
-              <a:rPr lang="en-US" dirty="0" smtClean="0">
+              <a:rPr lang="en-US" sz="2800" dirty="0" smtClean="0">
                 <a:solidFill>
                   <a:schemeClr val="tx1"/>
                 </a:solidFill>
               </a:rPr>
-              <a:t> Lab: Lang, Tanya, </a:t>
-            </a:r>
-            <a:r>
-              <a:rPr lang="en-US" dirty="0" err="1" smtClean="0">
+              <a:t> Lab: </a:t>
+            </a:r>
+            <a:r>
+              <a:rPr lang="en-US" sz="2800" dirty="0" smtClean="0">
+                <a:solidFill>
+                  <a:schemeClr val="tx1"/>
+                </a:solidFill>
+              </a:rPr>
+              <a:t>Christian, Lang</a:t>
+            </a:r>
+            <a:r>
+              <a:rPr lang="en-US" sz="2800" dirty="0" smtClean="0">
+                <a:solidFill>
+                  <a:schemeClr val="tx1"/>
+                </a:solidFill>
+              </a:rPr>
+              <a:t>, </a:t>
+            </a:r>
+            <a:r>
+              <a:rPr lang="en-US" sz="2800" dirty="0" err="1" smtClean="0">
                 <a:solidFill>
                   <a:schemeClr val="tx1"/>
                 </a:solidFill>
@@ -3179,26 +3204,42 @@
               <a:t>Shaozheng</a:t>
             </a:r>
             <a:r>
-              <a:rPr lang="en-US" dirty="0" smtClean="0">
+              <a:rPr lang="en-US" sz="2800" dirty="0" smtClean="0">
                 <a:solidFill>
                   <a:schemeClr val="tx1"/>
                 </a:solidFill>
               </a:rPr>
-              <a:t>, Christian</a:t>
+              <a:t>, Tanya</a:t>
             </a:r>
           </a:p>
           <a:p>
             <a:pPr algn="l"/>
             <a:r>
-              <a:rPr lang="en-US" dirty="0" smtClean="0">
+              <a:rPr lang="en-US" sz="2800" dirty="0" smtClean="0">
                 <a:solidFill>
                   <a:schemeClr val="tx1"/>
                 </a:solidFill>
               </a:rPr>
-              <a:t>Interns: </a:t>
-            </a:r>
-            <a:r>
-              <a:rPr lang="en-US" dirty="0" err="1" smtClean="0">
+              <a:t>Interns</a:t>
+            </a:r>
+            <a:r>
+              <a:rPr lang="en-US" sz="2800" dirty="0" smtClean="0">
+                <a:solidFill>
+                  <a:schemeClr val="tx1"/>
+                </a:solidFill>
+              </a:rPr>
+              <a:t>: </a:t>
+            </a:r>
+            <a:r>
+              <a:rPr lang="en-US" sz="2800" dirty="0" smtClean="0">
+                <a:solidFill>
+                  <a:schemeClr val="tx1"/>
+                </a:solidFill>
+              </a:rPr>
+              <a:t>Archer, Eric, Myra, </a:t>
+            </a:r>
+            <a:r>
+              <a:rPr lang="en-US" sz="2800" dirty="0" err="1" smtClean="0">
                 <a:solidFill>
                   <a:schemeClr val="tx1"/>
                 </a:solidFill>
@@ -3206,24 +3247,42 @@
               <a:t>Roujia</a:t>
             </a:r>
             <a:r>
-              <a:rPr lang="en-US" dirty="0" smtClean="0">
+              <a:rPr lang="en-US" sz="2800" dirty="0" smtClean="0">
                 <a:solidFill>
                   <a:schemeClr val="tx1"/>
                 </a:solidFill>
               </a:rPr>
-              <a:t> Wen, Eric Liu, Myra Cheng, Archer Olson</a:t>
-            </a:r>
+              <a:t> </a:t>
+            </a:r>
+            <a:endParaRPr lang="en-US" sz="2800" dirty="0" smtClean="0">
+              <a:solidFill>
+                <a:schemeClr val="tx1"/>
+              </a:solidFill>
+            </a:endParaRPr>
           </a:p>
           <a:p>
             <a:pPr algn="l"/>
             <a:r>
-              <a:rPr lang="en-US" dirty="0" smtClean="0">
+              <a:rPr lang="en-US" sz="2800" dirty="0" smtClean="0">
                 <a:solidFill>
                   <a:schemeClr val="tx1"/>
                 </a:solidFill>
               </a:rPr>
-              <a:t>SymSys: Jeff</a:t>
-            </a:r>
+              <a:t>SymSys</a:t>
+            </a:r>
+            <a:r>
+              <a:rPr lang="en-US" sz="2800" dirty="0" smtClean="0">
+                <a:solidFill>
+                  <a:schemeClr val="tx1"/>
+                </a:solidFill>
+              </a:rPr>
+              <a:t>: Jeff</a:t>
+            </a:r>
+            <a:endParaRPr lang="en-US" sz="2800" dirty="0" smtClean="0">
+              <a:solidFill>
+                <a:schemeClr val="tx1"/>
+              </a:solidFill>
+            </a:endParaRPr>
           </a:p>
         </p:txBody>
       </p:sp>
@@ -3269,336 +3328,118 @@
         </p:nvSpPr>
         <p:spPr/>
         <p:txBody>
+          <a:bodyPr/>
+          <a:lstStyle/>
+          <a:p>
+            <a:r>
+              <a:rPr lang="en-US" dirty="0" smtClean="0"/>
+              <a:t>Outline</a:t>
+            </a:r>
+            <a:endParaRPr lang="en-US" dirty="0"/>
+          </a:p>
+        </p:txBody>
+      </p:sp>
+      <p:sp>
+        <p:nvSpPr>
+          <p:cNvPr id="3" name="Content Placeholder 2"/>
+          <p:cNvSpPr>
+            <a:spLocks noGrp="1"/>
+          </p:cNvSpPr>
+          <p:nvPr>
+            <p:ph idx="1"/>
+          </p:nvPr>
+        </p:nvSpPr>
+        <p:spPr/>
+        <p:txBody>
           <a:bodyPr>
-            <a:normAutofit fontScale="90000"/>
+            <a:normAutofit fontScale="85000" lnSpcReduction="10000"/>
           </a:bodyPr>
           <a:lstStyle/>
           <a:p>
             <a:r>
               <a:rPr lang="en-US" dirty="0" smtClean="0"/>
-              <a:t>Why Early Arithmetic?</a:t>
-            </a:r>
-            <a:br>
-              <a:rPr lang="en-US" dirty="0" smtClean="0"/>
-            </a:br>
-            <a:r>
-              <a:rPr lang="en-US" dirty="0" smtClean="0"/>
-              <a:t>3+4=5</a:t>
-            </a:r>
+              <a:t>Goals: </a:t>
+            </a:r>
+          </a:p>
+          <a:p>
+            <a:pPr lvl="1"/>
+            <a:r>
+              <a:rPr lang="en-US" dirty="0" smtClean="0"/>
+              <a:t>Insight on early math from computational modeling</a:t>
+            </a:r>
+          </a:p>
+          <a:p>
+            <a:r>
+              <a:rPr lang="en-US" dirty="0" smtClean="0"/>
+              <a:t>Why early math? </a:t>
+            </a:r>
+          </a:p>
+          <a:p>
+            <a:pPr lvl="1"/>
+            <a:r>
+              <a:rPr lang="en-US" dirty="0" smtClean="0"/>
+              <a:t>It’s universal and clear.</a:t>
+            </a:r>
+          </a:p>
+          <a:p>
+            <a:r>
+              <a:rPr lang="en-US" dirty="0" smtClean="0"/>
+              <a:t>Interaction between brain and math development</a:t>
+            </a:r>
+          </a:p>
+          <a:p>
+            <a:r>
+              <a:rPr lang="en-US" dirty="0" smtClean="0"/>
+              <a:t>A brief </a:t>
+            </a:r>
+            <a:r>
+              <a:rPr lang="en-US" dirty="0"/>
+              <a:t>(biased) </a:t>
+            </a:r>
+            <a:r>
+              <a:rPr lang="en-US" dirty="0" smtClean="0"/>
+              <a:t>history of computational models of math development</a:t>
+            </a:r>
+          </a:p>
+          <a:p>
+            <a:r>
+              <a:rPr lang="en-US" dirty="0" smtClean="0"/>
+              <a:t>Approach: </a:t>
+            </a:r>
+          </a:p>
+          <a:p>
+            <a:pPr lvl="1"/>
+            <a:r>
+              <a:rPr lang="en-US" dirty="0" smtClean="0"/>
+              <a:t>Dual Neural Nets: Linguistic and Mathematical</a:t>
+            </a:r>
+          </a:p>
+          <a:p>
+            <a:r>
+              <a:rPr lang="en-US" dirty="0" smtClean="0"/>
+              <a:t>Method </a:t>
+            </a:r>
+            <a:r>
+              <a:rPr lang="en-US" dirty="0"/>
+              <a:t>D</a:t>
+            </a:r>
+            <a:r>
+              <a:rPr lang="en-US" dirty="0" smtClean="0"/>
+              <a:t>etails and Results</a:t>
+            </a:r>
+          </a:p>
+          <a:p>
+            <a:pPr marL="0" indent="0">
+              <a:buNone/>
+            </a:pPr>
             <a:endParaRPr lang="en-US" dirty="0"/>
-          </a:p>
-        </p:txBody>
-      </p:sp>
-      <p:cxnSp>
-        <p:nvCxnSpPr>
-          <p:cNvPr id="5" name="Straight Connector 4"/>
-          <p:cNvCxnSpPr/>
-          <p:nvPr/>
-        </p:nvCxnSpPr>
-        <p:spPr>
-          <a:xfrm>
-            <a:off x="940740" y="3593621"/>
-            <a:ext cx="6886223" cy="0"/>
-          </a:xfrm>
-          <a:prstGeom prst="line">
-            <a:avLst/>
-          </a:prstGeom>
-        </p:spPr>
-        <p:style>
-          <a:lnRef idx="2">
-            <a:schemeClr val="accent1"/>
-          </a:lnRef>
-          <a:fillRef idx="0">
-            <a:schemeClr val="accent1"/>
-          </a:fillRef>
-          <a:effectRef idx="1">
-            <a:schemeClr val="accent1"/>
-          </a:effectRef>
-          <a:fontRef idx="minor">
-            <a:schemeClr val="tx1"/>
-          </a:fontRef>
-        </p:style>
-      </p:cxnSp>
-      <p:sp>
-        <p:nvSpPr>
-          <p:cNvPr id="7" name="TextBox 6"/>
-          <p:cNvSpPr txBox="1"/>
-          <p:nvPr/>
-        </p:nvSpPr>
-        <p:spPr>
-          <a:xfrm>
-            <a:off x="1401725" y="3612455"/>
-            <a:ext cx="1050175" cy="369332"/>
-          </a:xfrm>
-          <a:prstGeom prst="rect">
-            <a:avLst/>
-          </a:prstGeom>
-          <a:noFill/>
-        </p:spPr>
-        <p:txBody>
-          <a:bodyPr wrap="none" rtlCol="0">
-            <a:spAutoFit/>
-          </a:bodyPr>
-          <a:lstStyle/>
-          <a:p>
-            <a:r>
-              <a:rPr lang="en-US" dirty="0" smtClean="0"/>
-              <a:t>0-2 Years</a:t>
-            </a:r>
-            <a:endParaRPr lang="en-US" dirty="0"/>
-          </a:p>
-        </p:txBody>
-      </p:sp>
-      <p:sp>
-        <p:nvSpPr>
-          <p:cNvPr id="8" name="TextBox 7"/>
-          <p:cNvSpPr txBox="1"/>
-          <p:nvPr/>
-        </p:nvSpPr>
-        <p:spPr>
-          <a:xfrm>
-            <a:off x="3848585" y="3612455"/>
-            <a:ext cx="1050175" cy="369332"/>
-          </a:xfrm>
-          <a:prstGeom prst="rect">
-            <a:avLst/>
-          </a:prstGeom>
-          <a:noFill/>
-        </p:spPr>
-        <p:txBody>
-          <a:bodyPr wrap="none" rtlCol="0">
-            <a:spAutoFit/>
-          </a:bodyPr>
-          <a:lstStyle/>
-          <a:p>
-            <a:r>
-              <a:rPr lang="en-US" dirty="0" smtClean="0"/>
-              <a:t>2-4 Years</a:t>
-            </a:r>
-            <a:endParaRPr lang="en-US" dirty="0"/>
-          </a:p>
-        </p:txBody>
-      </p:sp>
-      <p:sp>
-        <p:nvSpPr>
-          <p:cNvPr id="9" name="TextBox 8"/>
-          <p:cNvSpPr txBox="1"/>
-          <p:nvPr/>
-        </p:nvSpPr>
-        <p:spPr>
-          <a:xfrm>
-            <a:off x="6295445" y="3612455"/>
-            <a:ext cx="1050175" cy="369332"/>
-          </a:xfrm>
-          <a:prstGeom prst="rect">
-            <a:avLst/>
-          </a:prstGeom>
-          <a:noFill/>
-        </p:spPr>
-        <p:txBody>
-          <a:bodyPr wrap="none" rtlCol="0">
-            <a:spAutoFit/>
-          </a:bodyPr>
-          <a:lstStyle/>
-          <a:p>
-            <a:r>
-              <a:rPr lang="en-US" dirty="0" smtClean="0"/>
-              <a:t>4-6 Years</a:t>
-            </a:r>
-            <a:endParaRPr lang="en-US" dirty="0"/>
-          </a:p>
-        </p:txBody>
-      </p:sp>
-      <p:sp>
-        <p:nvSpPr>
-          <p:cNvPr id="10" name="TextBox 9"/>
-          <p:cNvSpPr txBox="1"/>
-          <p:nvPr/>
-        </p:nvSpPr>
-        <p:spPr>
-          <a:xfrm>
-            <a:off x="1074368" y="2955853"/>
-            <a:ext cx="1735008" cy="369332"/>
-          </a:xfrm>
-          <a:prstGeom prst="rect">
-            <a:avLst/>
-          </a:prstGeom>
-          <a:noFill/>
-        </p:spPr>
-        <p:txBody>
-          <a:bodyPr wrap="none" rtlCol="0">
-            <a:spAutoFit/>
-          </a:bodyPr>
-          <a:lstStyle/>
-          <a:p>
-            <a:r>
-              <a:rPr lang="en-US" dirty="0" smtClean="0"/>
-              <a:t>Number Naming</a:t>
-            </a:r>
-            <a:endParaRPr lang="en-US" dirty="0"/>
-          </a:p>
-        </p:txBody>
-      </p:sp>
-      <p:sp>
-        <p:nvSpPr>
-          <p:cNvPr id="11" name="TextBox 10"/>
-          <p:cNvSpPr txBox="1"/>
-          <p:nvPr/>
-        </p:nvSpPr>
-        <p:spPr>
-          <a:xfrm>
-            <a:off x="3869287" y="2438446"/>
-            <a:ext cx="1030563" cy="369332"/>
-          </a:xfrm>
-          <a:prstGeom prst="rect">
-            <a:avLst/>
-          </a:prstGeom>
-          <a:noFill/>
-        </p:spPr>
-        <p:txBody>
-          <a:bodyPr wrap="none" rtlCol="0">
-            <a:spAutoFit/>
-          </a:bodyPr>
-          <a:lstStyle/>
-          <a:p>
-            <a:r>
-              <a:rPr lang="en-US" dirty="0" smtClean="0"/>
-              <a:t>Counting</a:t>
-            </a:r>
-            <a:endParaRPr lang="en-US" dirty="0"/>
-          </a:p>
-        </p:txBody>
-      </p:sp>
-      <p:sp>
-        <p:nvSpPr>
-          <p:cNvPr id="12" name="TextBox 11"/>
-          <p:cNvSpPr txBox="1"/>
-          <p:nvPr/>
-        </p:nvSpPr>
-        <p:spPr>
-          <a:xfrm>
-            <a:off x="5714099" y="1930490"/>
-            <a:ext cx="2036735" cy="646331"/>
-          </a:xfrm>
-          <a:prstGeom prst="rect">
-            <a:avLst/>
-          </a:prstGeom>
-          <a:noFill/>
-        </p:spPr>
-        <p:txBody>
-          <a:bodyPr wrap="none" rtlCol="0">
-            <a:spAutoFit/>
-          </a:bodyPr>
-          <a:lstStyle/>
-          <a:p>
-            <a:r>
-              <a:rPr lang="en-US" dirty="0" smtClean="0"/>
-              <a:t>Single digit addition</a:t>
-            </a:r>
-          </a:p>
-          <a:p>
-            <a:r>
-              <a:rPr lang="en-US" dirty="0" smtClean="0"/>
-              <a:t>     (up to 5+5=10)</a:t>
-            </a:r>
-            <a:endParaRPr lang="en-US" dirty="0"/>
-          </a:p>
-        </p:txBody>
-      </p:sp>
-      <p:sp>
-        <p:nvSpPr>
-          <p:cNvPr id="13" name="Oval 12"/>
-          <p:cNvSpPr/>
-          <p:nvPr/>
-        </p:nvSpPr>
-        <p:spPr>
-          <a:xfrm rot="20990559">
-            <a:off x="3530311" y="1734448"/>
-            <a:ext cx="4505278" cy="1429897"/>
-          </a:xfrm>
-          <a:prstGeom prst="ellipse">
-            <a:avLst/>
-          </a:prstGeom>
-          <a:solidFill>
-            <a:schemeClr val="accent2">
-              <a:lumMod val="40000"/>
-              <a:lumOff val="60000"/>
-              <a:alpha val="26000"/>
-            </a:schemeClr>
-          </a:solidFill>
-        </p:spPr>
-        <p:style>
-          <a:lnRef idx="1">
-            <a:schemeClr val="accent1"/>
-          </a:lnRef>
-          <a:fillRef idx="3">
-            <a:schemeClr val="accent1"/>
-          </a:fillRef>
-          <a:effectRef idx="2">
-            <a:schemeClr val="accent1"/>
-          </a:effectRef>
-          <a:fontRef idx="minor">
-            <a:schemeClr val="lt1"/>
-          </a:fontRef>
-        </p:style>
-        <p:txBody>
-          <a:bodyPr rtlCol="0" anchor="ctr"/>
-          <a:lstStyle/>
-          <a:p>
-            <a:pPr algn="ctr"/>
-            <a:endParaRPr lang="en-US"/>
-          </a:p>
-        </p:txBody>
-      </p:sp>
-      <p:sp>
-        <p:nvSpPr>
-          <p:cNvPr id="14" name="Oval 13"/>
-          <p:cNvSpPr/>
-          <p:nvPr/>
-        </p:nvSpPr>
-        <p:spPr>
-          <a:xfrm rot="20990559">
-            <a:off x="785229" y="2165838"/>
-            <a:ext cx="4505278" cy="1429897"/>
-          </a:xfrm>
-          <a:prstGeom prst="ellipse">
-            <a:avLst/>
-          </a:prstGeom>
-          <a:solidFill>
-            <a:schemeClr val="accent2">
-              <a:lumMod val="40000"/>
-              <a:lumOff val="60000"/>
-              <a:alpha val="26000"/>
-            </a:schemeClr>
-          </a:solidFill>
-        </p:spPr>
-        <p:style>
-          <a:lnRef idx="1">
-            <a:schemeClr val="accent1"/>
-          </a:lnRef>
-          <a:fillRef idx="3">
-            <a:schemeClr val="accent1"/>
-          </a:fillRef>
-          <a:effectRef idx="2">
-            <a:schemeClr val="accent1"/>
-          </a:effectRef>
-          <a:fontRef idx="minor">
-            <a:schemeClr val="lt1"/>
-          </a:fontRef>
-        </p:style>
-        <p:txBody>
-          <a:bodyPr rtlCol="0" anchor="ctr"/>
-          <a:lstStyle/>
-          <a:p>
-            <a:pPr algn="ctr"/>
-            <a:endParaRPr lang="en-US"/>
           </a:p>
         </p:txBody>
       </p:sp>
     </p:spTree>
     <p:extLst>
       <p:ext uri="{BB962C8B-B14F-4D97-AF65-F5344CB8AC3E}">
-        <p14:creationId xmlns:p14="http://schemas.microsoft.com/office/powerpoint/2010/main" val="2727262144"/>
+        <p14:creationId xmlns:p14="http://schemas.microsoft.com/office/powerpoint/2010/main" val="90810589"/>
       </p:ext>
     </p:extLst>
   </p:cSld>
@@ -3625,15 +3466,569 @@
           <a:chExt cx="0" cy="0"/>
         </a:xfrm>
       </p:grpSpPr>
+      <p:sp>
+        <p:nvSpPr>
+          <p:cNvPr id="2" name="Title 1"/>
+          <p:cNvSpPr>
+            <a:spLocks noGrp="1"/>
+          </p:cNvSpPr>
+          <p:nvPr>
+            <p:ph type="title"/>
+          </p:nvPr>
+        </p:nvSpPr>
+        <p:spPr/>
+        <p:txBody>
+          <a:bodyPr/>
+          <a:lstStyle/>
+          <a:p>
+            <a:r>
+              <a:rPr lang="en-US" dirty="0" smtClean="0"/>
+              <a:t>Goals</a:t>
+            </a:r>
+            <a:endParaRPr lang="en-US" dirty="0"/>
+          </a:p>
+        </p:txBody>
+      </p:sp>
+      <p:sp>
+        <p:nvSpPr>
+          <p:cNvPr id="3" name="Content Placeholder 2"/>
+          <p:cNvSpPr>
+            <a:spLocks noGrp="1"/>
+          </p:cNvSpPr>
+          <p:nvPr>
+            <p:ph idx="1"/>
+          </p:nvPr>
+        </p:nvSpPr>
+        <p:spPr/>
+        <p:txBody>
+          <a:bodyPr>
+            <a:normAutofit fontScale="92500" lnSpcReduction="10000"/>
+          </a:bodyPr>
+          <a:lstStyle/>
+          <a:p>
+            <a:r>
+              <a:rPr lang="en-US" dirty="0" smtClean="0"/>
+              <a:t>Update computational models of mathematical development that have languished since the mid 1990s, and so haven’t benefited from two decades of brain science, esp. </a:t>
+            </a:r>
+            <a:r>
+              <a:rPr lang="en-US" i="1" dirty="0" smtClean="0"/>
+              <a:t>systems neuroscience </a:t>
+            </a:r>
+            <a:r>
+              <a:rPr lang="en-US" dirty="0" smtClean="0"/>
+              <a:t>and </a:t>
+            </a:r>
+            <a:r>
+              <a:rPr lang="en-US" i="1" dirty="0" smtClean="0"/>
+              <a:t>deep learning</a:t>
+            </a:r>
+            <a:r>
+              <a:rPr lang="en-US" dirty="0" smtClean="0"/>
+              <a:t> (esp. re timing).</a:t>
+            </a:r>
+          </a:p>
+          <a:p>
+            <a:r>
+              <a:rPr lang="en-US" dirty="0" smtClean="0"/>
+              <a:t>See what insights into early math we can gain from trying a NN approach, and also by carefully thinking through the systems neuroscience and developmental timing of the problem (i.e., deep learning).</a:t>
+            </a:r>
+          </a:p>
+          <a:p>
+            <a:endParaRPr lang="en-US" dirty="0"/>
+          </a:p>
+        </p:txBody>
+      </p:sp>
+    </p:spTree>
+    <p:extLst>
+      <p:ext uri="{BB962C8B-B14F-4D97-AF65-F5344CB8AC3E}">
+        <p14:creationId xmlns:p14="http://schemas.microsoft.com/office/powerpoint/2010/main" val="3783194128"/>
+      </p:ext>
+    </p:extLst>
+  </p:cSld>
+  <p:clrMapOvr>
+    <a:masterClrMapping/>
+  </p:clrMapOvr>
+</p:sld>
+</file>
+
+<file path=ppt/slides/slide4.xml><?xml version="1.0" encoding="utf-8"?>
+<p:sld xmlns:a="http://schemas.openxmlformats.org/drawingml/2006/main" xmlns:r="http://schemas.openxmlformats.org/officeDocument/2006/relationships" xmlns:p="http://schemas.openxmlformats.org/presentationml/2006/main">
+  <p:cSld>
+    <p:spTree>
+      <p:nvGrpSpPr>
+        <p:cNvPr id="1" name=""/>
+        <p:cNvGrpSpPr/>
+        <p:nvPr/>
+      </p:nvGrpSpPr>
+      <p:grpSpPr>
+        <a:xfrm>
+          <a:off x="0" y="0"/>
+          <a:ext cx="0" cy="0"/>
+          <a:chOff x="0" y="0"/>
+          <a:chExt cx="0" cy="0"/>
+        </a:xfrm>
+      </p:grpSpPr>
+      <p:sp>
+        <p:nvSpPr>
+          <p:cNvPr id="2" name="Title 1"/>
+          <p:cNvSpPr>
+            <a:spLocks noGrp="1"/>
+          </p:cNvSpPr>
+          <p:nvPr>
+            <p:ph type="title"/>
+          </p:nvPr>
+        </p:nvSpPr>
+        <p:spPr/>
+        <p:txBody>
+          <a:bodyPr/>
+          <a:lstStyle/>
+          <a:p>
+            <a:r>
+              <a:rPr lang="en-US" dirty="0" smtClean="0"/>
+              <a:t>Why Early Math?</a:t>
+            </a:r>
+            <a:endParaRPr lang="en-US" dirty="0"/>
+          </a:p>
+        </p:txBody>
+      </p:sp>
+      <p:sp>
+        <p:nvSpPr>
+          <p:cNvPr id="3" name="Content Placeholder 2"/>
+          <p:cNvSpPr>
+            <a:spLocks noGrp="1"/>
+          </p:cNvSpPr>
+          <p:nvPr>
+            <p:ph idx="1"/>
+          </p:nvPr>
+        </p:nvSpPr>
+        <p:spPr/>
+        <p:txBody>
+          <a:bodyPr>
+            <a:normAutofit fontScale="92500" lnSpcReduction="10000"/>
+          </a:bodyPr>
+          <a:lstStyle/>
+          <a:p>
+            <a:r>
+              <a:rPr lang="en-US" dirty="0" smtClean="0"/>
+              <a:t>Math is universal.</a:t>
+            </a:r>
+          </a:p>
+          <a:p>
+            <a:r>
+              <a:rPr lang="en-US" dirty="0" smtClean="0"/>
+              <a:t>Math has relatively clear correctness criteria and is easily measurable. (3+4=7!)</a:t>
+            </a:r>
+          </a:p>
+          <a:p>
+            <a:r>
+              <a:rPr lang="en-US" dirty="0" smtClean="0"/>
+              <a:t>Math has relatively clear semantics.</a:t>
+            </a:r>
+          </a:p>
+          <a:p>
+            <a:r>
+              <a:rPr lang="en-US" dirty="0" smtClean="0"/>
+              <a:t>Tons of data around just ten symbols!</a:t>
+            </a:r>
+          </a:p>
+          <a:p>
+            <a:r>
+              <a:rPr lang="en-US" dirty="0" smtClean="0"/>
+              <a:t>However: Math comes in so early that it interacts with language and brain development in complex and interesting ways.</a:t>
+            </a:r>
+            <a:r>
+              <a:rPr lang="en-US" dirty="0"/>
+              <a:t> </a:t>
+            </a:r>
+            <a:r>
+              <a:rPr lang="en-US" dirty="0" smtClean="0"/>
+              <a:t>(Both a blessing and a curse! Hard to do brain work!)</a:t>
+            </a:r>
+          </a:p>
+        </p:txBody>
+      </p:sp>
+    </p:spTree>
+    <p:extLst>
+      <p:ext uri="{BB962C8B-B14F-4D97-AF65-F5344CB8AC3E}">
+        <p14:creationId xmlns:p14="http://schemas.microsoft.com/office/powerpoint/2010/main" val="2826986285"/>
+      </p:ext>
+    </p:extLst>
+  </p:cSld>
+  <p:clrMapOvr>
+    <a:masterClrMapping/>
+  </p:clrMapOvr>
+</p:sld>
+</file>
+
+<file path=ppt/slides/slide5.xml><?xml version="1.0" encoding="utf-8"?>
+<p:sld xmlns:a="http://schemas.openxmlformats.org/drawingml/2006/main" xmlns:r="http://schemas.openxmlformats.org/officeDocument/2006/relationships" xmlns:p="http://schemas.openxmlformats.org/presentationml/2006/main">
+  <p:cSld>
+    <p:spTree>
+      <p:nvGrpSpPr>
+        <p:cNvPr id="1" name=""/>
+        <p:cNvGrpSpPr/>
+        <p:nvPr/>
+      </p:nvGrpSpPr>
+      <p:grpSpPr>
+        <a:xfrm>
+          <a:off x="0" y="0"/>
+          <a:ext cx="0" cy="0"/>
+          <a:chOff x="0" y="0"/>
+          <a:chExt cx="0" cy="0"/>
+        </a:xfrm>
+      </p:grpSpPr>
+      <p:sp>
+        <p:nvSpPr>
+          <p:cNvPr id="2" name="Title 1"/>
+          <p:cNvSpPr>
+            <a:spLocks noGrp="1"/>
+          </p:cNvSpPr>
+          <p:nvPr>
+            <p:ph type="title"/>
+          </p:nvPr>
+        </p:nvSpPr>
+        <p:spPr/>
+        <p:txBody>
+          <a:bodyPr>
+            <a:normAutofit fontScale="90000"/>
+          </a:bodyPr>
+          <a:lstStyle/>
+          <a:p>
+            <a:r>
+              <a:rPr lang="en-US" dirty="0" smtClean="0"/>
+              <a:t>Interaction between math and brain development</a:t>
+            </a:r>
+            <a:endParaRPr lang="en-US" dirty="0"/>
+          </a:p>
+        </p:txBody>
+      </p:sp>
+      <p:cxnSp>
+        <p:nvCxnSpPr>
+          <p:cNvPr id="5" name="Straight Connector 4"/>
+          <p:cNvCxnSpPr/>
+          <p:nvPr/>
+        </p:nvCxnSpPr>
+        <p:spPr>
+          <a:xfrm>
+            <a:off x="940740" y="3593621"/>
+            <a:ext cx="6886223" cy="0"/>
+          </a:xfrm>
+          <a:prstGeom prst="line">
+            <a:avLst/>
+          </a:prstGeom>
+        </p:spPr>
+        <p:style>
+          <a:lnRef idx="2">
+            <a:schemeClr val="accent1"/>
+          </a:lnRef>
+          <a:fillRef idx="0">
+            <a:schemeClr val="accent1"/>
+          </a:fillRef>
+          <a:effectRef idx="1">
+            <a:schemeClr val="accent1"/>
+          </a:effectRef>
+          <a:fontRef idx="minor">
+            <a:schemeClr val="tx1"/>
+          </a:fontRef>
+        </p:style>
+      </p:cxnSp>
+      <p:sp>
+        <p:nvSpPr>
+          <p:cNvPr id="7" name="TextBox 6"/>
+          <p:cNvSpPr txBox="1"/>
+          <p:nvPr/>
+        </p:nvSpPr>
+        <p:spPr>
+          <a:xfrm>
+            <a:off x="1401725" y="3612455"/>
+            <a:ext cx="1050175" cy="369332"/>
+          </a:xfrm>
+          <a:prstGeom prst="rect">
+            <a:avLst/>
+          </a:prstGeom>
+          <a:noFill/>
+        </p:spPr>
+        <p:txBody>
+          <a:bodyPr wrap="none" rtlCol="0">
+            <a:spAutoFit/>
+          </a:bodyPr>
+          <a:lstStyle/>
+          <a:p>
+            <a:r>
+              <a:rPr lang="en-US" dirty="0" smtClean="0"/>
+              <a:t>0-2 Years</a:t>
+            </a:r>
+            <a:endParaRPr lang="en-US" dirty="0"/>
+          </a:p>
+        </p:txBody>
+      </p:sp>
+      <p:sp>
+        <p:nvSpPr>
+          <p:cNvPr id="8" name="TextBox 7"/>
+          <p:cNvSpPr txBox="1"/>
+          <p:nvPr/>
+        </p:nvSpPr>
+        <p:spPr>
+          <a:xfrm>
+            <a:off x="3848585" y="3612455"/>
+            <a:ext cx="1050175" cy="369332"/>
+          </a:xfrm>
+          <a:prstGeom prst="rect">
+            <a:avLst/>
+          </a:prstGeom>
+          <a:noFill/>
+        </p:spPr>
+        <p:txBody>
+          <a:bodyPr wrap="none" rtlCol="0">
+            <a:spAutoFit/>
+          </a:bodyPr>
+          <a:lstStyle/>
+          <a:p>
+            <a:r>
+              <a:rPr lang="en-US" dirty="0" smtClean="0"/>
+              <a:t>2-4 Years</a:t>
+            </a:r>
+            <a:endParaRPr lang="en-US" dirty="0"/>
+          </a:p>
+        </p:txBody>
+      </p:sp>
+      <p:sp>
+        <p:nvSpPr>
+          <p:cNvPr id="9" name="TextBox 8"/>
+          <p:cNvSpPr txBox="1"/>
+          <p:nvPr/>
+        </p:nvSpPr>
+        <p:spPr>
+          <a:xfrm>
+            <a:off x="6295445" y="3612455"/>
+            <a:ext cx="1050175" cy="369332"/>
+          </a:xfrm>
+          <a:prstGeom prst="rect">
+            <a:avLst/>
+          </a:prstGeom>
+          <a:noFill/>
+        </p:spPr>
+        <p:txBody>
+          <a:bodyPr wrap="none" rtlCol="0">
+            <a:spAutoFit/>
+          </a:bodyPr>
+          <a:lstStyle/>
+          <a:p>
+            <a:r>
+              <a:rPr lang="en-US" dirty="0" smtClean="0"/>
+              <a:t>4-6 Years</a:t>
+            </a:r>
+            <a:endParaRPr lang="en-US" dirty="0"/>
+          </a:p>
+        </p:txBody>
+      </p:sp>
+      <p:sp>
+        <p:nvSpPr>
+          <p:cNvPr id="10" name="TextBox 9"/>
+          <p:cNvSpPr txBox="1"/>
+          <p:nvPr/>
+        </p:nvSpPr>
+        <p:spPr>
+          <a:xfrm>
+            <a:off x="1074368" y="2955853"/>
+            <a:ext cx="1735008" cy="369332"/>
+          </a:xfrm>
+          <a:prstGeom prst="rect">
+            <a:avLst/>
+          </a:prstGeom>
+          <a:noFill/>
+        </p:spPr>
+        <p:txBody>
+          <a:bodyPr wrap="none" rtlCol="0">
+            <a:spAutoFit/>
+          </a:bodyPr>
+          <a:lstStyle/>
+          <a:p>
+            <a:r>
+              <a:rPr lang="en-US" dirty="0" smtClean="0"/>
+              <a:t>Number Naming</a:t>
+            </a:r>
+            <a:endParaRPr lang="en-US" dirty="0"/>
+          </a:p>
+        </p:txBody>
+      </p:sp>
+      <p:sp>
+        <p:nvSpPr>
+          <p:cNvPr id="11" name="TextBox 10"/>
+          <p:cNvSpPr txBox="1"/>
+          <p:nvPr/>
+        </p:nvSpPr>
+        <p:spPr>
+          <a:xfrm>
+            <a:off x="3869287" y="2438446"/>
+            <a:ext cx="1030563" cy="369332"/>
+          </a:xfrm>
+          <a:prstGeom prst="rect">
+            <a:avLst/>
+          </a:prstGeom>
+          <a:noFill/>
+        </p:spPr>
+        <p:txBody>
+          <a:bodyPr wrap="none" rtlCol="0">
+            <a:spAutoFit/>
+          </a:bodyPr>
+          <a:lstStyle/>
+          <a:p>
+            <a:r>
+              <a:rPr lang="en-US" dirty="0" smtClean="0"/>
+              <a:t>Counting</a:t>
+            </a:r>
+            <a:endParaRPr lang="en-US" dirty="0"/>
+          </a:p>
+        </p:txBody>
+      </p:sp>
+      <p:sp>
+        <p:nvSpPr>
+          <p:cNvPr id="12" name="TextBox 11"/>
+          <p:cNvSpPr txBox="1"/>
+          <p:nvPr/>
+        </p:nvSpPr>
+        <p:spPr>
+          <a:xfrm>
+            <a:off x="5486624" y="1968399"/>
+            <a:ext cx="2036735" cy="646331"/>
+          </a:xfrm>
+          <a:prstGeom prst="rect">
+            <a:avLst/>
+          </a:prstGeom>
+          <a:noFill/>
+        </p:spPr>
+        <p:txBody>
+          <a:bodyPr wrap="none" rtlCol="0">
+            <a:spAutoFit/>
+          </a:bodyPr>
+          <a:lstStyle/>
+          <a:p>
+            <a:r>
+              <a:rPr lang="en-US" dirty="0" smtClean="0"/>
+              <a:t>Single digit addition</a:t>
+            </a:r>
+          </a:p>
+          <a:p>
+            <a:r>
+              <a:rPr lang="en-US" dirty="0" smtClean="0"/>
+              <a:t>     </a:t>
+            </a:r>
+            <a:r>
+              <a:rPr lang="en-US" dirty="0" smtClean="0"/>
+              <a:t>   (</a:t>
+            </a:r>
+            <a:r>
+              <a:rPr lang="en-US" dirty="0" smtClean="0"/>
+              <a:t>up to 5+</a:t>
+            </a:r>
+            <a:r>
+              <a:rPr lang="en-US" dirty="0" smtClean="0"/>
+              <a:t>5)</a:t>
+            </a:r>
+            <a:endParaRPr lang="en-US" dirty="0"/>
+          </a:p>
+        </p:txBody>
+      </p:sp>
+      <p:sp>
+        <p:nvSpPr>
+          <p:cNvPr id="13" name="Oval 12"/>
+          <p:cNvSpPr/>
+          <p:nvPr/>
+        </p:nvSpPr>
+        <p:spPr>
+          <a:xfrm rot="20990559">
+            <a:off x="3530311" y="1734448"/>
+            <a:ext cx="4505278" cy="1429897"/>
+          </a:xfrm>
+          <a:prstGeom prst="ellipse">
+            <a:avLst/>
+          </a:prstGeom>
+          <a:solidFill>
+            <a:schemeClr val="accent2">
+              <a:lumMod val="40000"/>
+              <a:lumOff val="60000"/>
+              <a:alpha val="26000"/>
+            </a:schemeClr>
+          </a:solidFill>
+        </p:spPr>
+        <p:style>
+          <a:lnRef idx="1">
+            <a:schemeClr val="accent1"/>
+          </a:lnRef>
+          <a:fillRef idx="3">
+            <a:schemeClr val="accent1"/>
+          </a:fillRef>
+          <a:effectRef idx="2">
+            <a:schemeClr val="accent1"/>
+          </a:effectRef>
+          <a:fontRef idx="minor">
+            <a:schemeClr val="lt1"/>
+          </a:fontRef>
+        </p:style>
+        <p:txBody>
+          <a:bodyPr rtlCol="0" anchor="ctr"/>
+          <a:lstStyle/>
+          <a:p>
+            <a:pPr algn="ctr"/>
+            <a:endParaRPr lang="en-US"/>
+          </a:p>
+        </p:txBody>
+      </p:sp>
+      <p:sp>
+        <p:nvSpPr>
+          <p:cNvPr id="14" name="Oval 13"/>
+          <p:cNvSpPr/>
+          <p:nvPr/>
+        </p:nvSpPr>
+        <p:spPr>
+          <a:xfrm rot="20990559">
+            <a:off x="785229" y="2165838"/>
+            <a:ext cx="4505278" cy="1429897"/>
+          </a:xfrm>
+          <a:prstGeom prst="ellipse">
+            <a:avLst/>
+          </a:prstGeom>
+          <a:solidFill>
+            <a:schemeClr val="accent2">
+              <a:lumMod val="40000"/>
+              <a:lumOff val="60000"/>
+              <a:alpha val="26000"/>
+            </a:schemeClr>
+          </a:solidFill>
+        </p:spPr>
+        <p:style>
+          <a:lnRef idx="1">
+            <a:schemeClr val="accent1"/>
+          </a:lnRef>
+          <a:fillRef idx="3">
+            <a:schemeClr val="accent1"/>
+          </a:fillRef>
+          <a:effectRef idx="2">
+            <a:schemeClr val="accent1"/>
+          </a:effectRef>
+          <a:fontRef idx="minor">
+            <a:schemeClr val="lt1"/>
+          </a:fontRef>
+        </p:style>
+        <p:txBody>
+          <a:bodyPr rtlCol="0" anchor="ctr"/>
+          <a:lstStyle/>
+          <a:p>
+            <a:pPr algn="ctr"/>
+            <a:endParaRPr lang="en-US"/>
+          </a:p>
+        </p:txBody>
+      </p:sp>
       <p:pic>
         <p:nvPicPr>
-          <p:cNvPr id="4" name="Picture 3" descr="Screen Shot 2016-08-05 at 4.41.24 PM.png"/>
+          <p:cNvPr id="15" name="Picture 14" descr="Screen Shot 2016-08-05 at 4.41.24 PM.png"/>
           <p:cNvPicPr>
             <a:picLocks noChangeAspect="1"/>
           </p:cNvPicPr>
           <p:nvPr/>
         </p:nvPicPr>
-        <p:blipFill>
+        <p:blipFill rotWithShape="1">
           <a:blip r:embed="rId2">
             <a:extLst>
               <a:ext uri="{28A0092B-C50C-407E-A947-70E740481C1C}">
@@ -3641,14 +4036,13 @@
               </a:ext>
             </a:extLst>
           </a:blip>
-          <a:stretch>
-            <a:fillRect/>
-          </a:stretch>
+          <a:srcRect l="6823" t="15408" r="13937" b="22541"/>
+          <a:stretch/>
         </p:blipFill>
         <p:spPr>
           <a:xfrm>
-            <a:off x="2502370" y="3015119"/>
-            <a:ext cx="4797778" cy="3573979"/>
+            <a:off x="6213585" y="4168375"/>
+            <a:ext cx="2264069" cy="1320704"/>
           </a:xfrm>
           <a:prstGeom prst="rect">
             <a:avLst/>
@@ -3657,13 +4051,13 @@
       </p:pic>
       <p:pic>
         <p:nvPicPr>
-          <p:cNvPr id="5" name="Picture 4" descr="Screen Shot 2016-08-05 at 4.40.59 PM.png"/>
+          <p:cNvPr id="16" name="Picture 15" descr="Screen Shot 2016-08-05 at 4.40.59 PM.png"/>
           <p:cNvPicPr>
             <a:picLocks noChangeAspect="1"/>
           </p:cNvPicPr>
           <p:nvPr/>
         </p:nvPicPr>
-        <p:blipFill>
+        <p:blipFill rotWithShape="1">
           <a:blip r:embed="rId3">
             <a:extLst>
               <a:ext uri="{28A0092B-C50C-407E-A947-70E740481C1C}">
@@ -3671,24 +4065,1431 @@
               </a:ext>
             </a:extLst>
           </a:blip>
-          <a:stretch>
-            <a:fillRect/>
-          </a:stretch>
+          <a:srcRect l="6374" t="24154" r="11201" b="8121"/>
+          <a:stretch/>
         </p:blipFill>
         <p:spPr>
           <a:xfrm>
-            <a:off x="1110074" y="855841"/>
-            <a:ext cx="6970889" cy="2039220"/>
+            <a:off x="5486624" y="5928773"/>
+            <a:ext cx="3525854" cy="847485"/>
           </a:xfrm>
           <a:prstGeom prst="rect">
             <a:avLst/>
           </a:prstGeom>
         </p:spPr>
       </p:pic>
+      <p:sp>
+        <p:nvSpPr>
+          <p:cNvPr id="3" name="TextBox 2"/>
+          <p:cNvSpPr txBox="1"/>
+          <p:nvPr/>
+        </p:nvSpPr>
+        <p:spPr>
+          <a:xfrm>
+            <a:off x="626727" y="4546795"/>
+            <a:ext cx="4365298" cy="923330"/>
+          </a:xfrm>
+          <a:prstGeom prst="rect">
+            <a:avLst/>
+          </a:prstGeom>
+          <a:noFill/>
+        </p:spPr>
+        <p:txBody>
+          <a:bodyPr wrap="none" rtlCol="0">
+            <a:spAutoFit/>
+          </a:bodyPr>
+          <a:lstStyle/>
+          <a:p>
+            <a:r>
+              <a:rPr lang="en-US" dirty="0" smtClean="0">
+                <a:solidFill>
+                  <a:srgbClr val="FF0000"/>
+                </a:solidFill>
+              </a:rPr>
+              <a:t>Find some data/image that </a:t>
+            </a:r>
+          </a:p>
+          <a:p>
+            <a:r>
+              <a:rPr lang="en-US" dirty="0" smtClean="0">
+                <a:solidFill>
+                  <a:srgbClr val="FF0000"/>
+                </a:solidFill>
+              </a:rPr>
+              <a:t>Tells us something about brain development</a:t>
+            </a:r>
+          </a:p>
+          <a:p>
+            <a:r>
+              <a:rPr lang="en-US" dirty="0" smtClean="0">
+                <a:solidFill>
+                  <a:srgbClr val="FF0000"/>
+                </a:solidFill>
+              </a:rPr>
+              <a:t>esp. connectivity in the first 5 years.</a:t>
+            </a:r>
+          </a:p>
+        </p:txBody>
+      </p:sp>
     </p:spTree>
     <p:extLst>
       <p:ext uri="{BB962C8B-B14F-4D97-AF65-F5344CB8AC3E}">
-        <p14:creationId xmlns:p14="http://schemas.microsoft.com/office/powerpoint/2010/main" val="3126246075"/>
+        <p14:creationId xmlns:p14="http://schemas.microsoft.com/office/powerpoint/2010/main" val="2727262144"/>
+      </p:ext>
+    </p:extLst>
+  </p:cSld>
+  <p:clrMapOvr>
+    <a:masterClrMapping/>
+  </p:clrMapOvr>
+</p:sld>
+</file>
+
+<file path=ppt/slides/slide6.xml><?xml version="1.0" encoding="utf-8"?>
+<p:sld xmlns:a="http://schemas.openxmlformats.org/drawingml/2006/main" xmlns:r="http://schemas.openxmlformats.org/officeDocument/2006/relationships" xmlns:p="http://schemas.openxmlformats.org/presentationml/2006/main">
+  <p:cSld>
+    <p:spTree>
+      <p:nvGrpSpPr>
+        <p:cNvPr id="1" name=""/>
+        <p:cNvGrpSpPr/>
+        <p:nvPr/>
+      </p:nvGrpSpPr>
+      <p:grpSpPr>
+        <a:xfrm>
+          <a:off x="0" y="0"/>
+          <a:ext cx="0" cy="0"/>
+          <a:chOff x="0" y="0"/>
+          <a:chExt cx="0" cy="0"/>
+        </a:xfrm>
+      </p:grpSpPr>
+      <p:sp>
+        <p:nvSpPr>
+          <p:cNvPr id="2" name="Title 1"/>
+          <p:cNvSpPr>
+            <a:spLocks noGrp="1"/>
+          </p:cNvSpPr>
+          <p:nvPr>
+            <p:ph type="title"/>
+          </p:nvPr>
+        </p:nvSpPr>
+        <p:spPr>
+          <a:xfrm>
+            <a:off x="152882" y="132580"/>
+            <a:ext cx="3286651" cy="625703"/>
+          </a:xfrm>
+        </p:spPr>
+        <p:txBody>
+          <a:bodyPr>
+            <a:normAutofit fontScale="90000"/>
+          </a:bodyPr>
+          <a:lstStyle/>
+          <a:p>
+            <a:r>
+              <a:rPr lang="en-US" dirty="0" smtClean="0"/>
+              <a:t>Our Approach</a:t>
+            </a:r>
+            <a:endParaRPr lang="en-US" dirty="0"/>
+          </a:p>
+        </p:txBody>
+      </p:sp>
+      <p:sp>
+        <p:nvSpPr>
+          <p:cNvPr id="4" name="Rectangle 3"/>
+          <p:cNvSpPr/>
+          <p:nvPr/>
+        </p:nvSpPr>
+        <p:spPr>
+          <a:xfrm>
+            <a:off x="266701" y="5216080"/>
+            <a:ext cx="2559087" cy="568637"/>
+          </a:xfrm>
+          <a:prstGeom prst="rect">
+            <a:avLst/>
+          </a:prstGeom>
+        </p:spPr>
+        <p:style>
+          <a:lnRef idx="1">
+            <a:schemeClr val="accent1"/>
+          </a:lnRef>
+          <a:fillRef idx="3">
+            <a:schemeClr val="accent1"/>
+          </a:fillRef>
+          <a:effectRef idx="2">
+            <a:schemeClr val="accent1"/>
+          </a:effectRef>
+          <a:fontRef idx="minor">
+            <a:schemeClr val="lt1"/>
+          </a:fontRef>
+        </p:style>
+        <p:txBody>
+          <a:bodyPr rtlCol="0" anchor="ctr"/>
+          <a:lstStyle/>
+          <a:p>
+            <a:pPr algn="ctr"/>
+            <a:r>
+              <a:rPr lang="en-US" sz="1200" dirty="0" smtClean="0"/>
+              <a:t>Words (including both number and non-number)</a:t>
+            </a:r>
+            <a:endParaRPr lang="en-US" sz="1200" dirty="0"/>
+          </a:p>
+        </p:txBody>
+      </p:sp>
+      <p:sp>
+        <p:nvSpPr>
+          <p:cNvPr id="5" name="Rectangle 4"/>
+          <p:cNvSpPr/>
+          <p:nvPr/>
+        </p:nvSpPr>
+        <p:spPr>
+          <a:xfrm>
+            <a:off x="246432" y="3792164"/>
+            <a:ext cx="2559087" cy="568637"/>
+          </a:xfrm>
+          <a:prstGeom prst="rect">
+            <a:avLst/>
+          </a:prstGeom>
+        </p:spPr>
+        <p:style>
+          <a:lnRef idx="1">
+            <a:schemeClr val="accent1"/>
+          </a:lnRef>
+          <a:fillRef idx="3">
+            <a:schemeClr val="accent1"/>
+          </a:fillRef>
+          <a:effectRef idx="2">
+            <a:schemeClr val="accent1"/>
+          </a:effectRef>
+          <a:fontRef idx="minor">
+            <a:schemeClr val="lt1"/>
+          </a:fontRef>
+        </p:style>
+        <p:txBody>
+          <a:bodyPr rtlCol="0" anchor="ctr"/>
+          <a:lstStyle/>
+          <a:p>
+            <a:pPr algn="ctr"/>
+            <a:r>
+              <a:rPr lang="en-US" sz="1200" dirty="0" smtClean="0"/>
+              <a:t>Number  and Language Association Layer</a:t>
+            </a:r>
+            <a:endParaRPr lang="en-US" sz="1200" dirty="0"/>
+          </a:p>
+        </p:txBody>
+      </p:sp>
+      <p:sp>
+        <p:nvSpPr>
+          <p:cNvPr id="6" name="Rectangle 5"/>
+          <p:cNvSpPr/>
+          <p:nvPr/>
+        </p:nvSpPr>
+        <p:spPr>
+          <a:xfrm>
+            <a:off x="484884" y="2370848"/>
+            <a:ext cx="1041092" cy="568637"/>
+          </a:xfrm>
+          <a:prstGeom prst="rect">
+            <a:avLst/>
+          </a:prstGeom>
+        </p:spPr>
+        <p:style>
+          <a:lnRef idx="1">
+            <a:schemeClr val="accent1"/>
+          </a:lnRef>
+          <a:fillRef idx="3">
+            <a:schemeClr val="accent1"/>
+          </a:fillRef>
+          <a:effectRef idx="2">
+            <a:schemeClr val="accent1"/>
+          </a:effectRef>
+          <a:fontRef idx="minor">
+            <a:schemeClr val="lt1"/>
+          </a:fontRef>
+        </p:style>
+        <p:txBody>
+          <a:bodyPr rtlCol="0" anchor="ctr"/>
+          <a:lstStyle/>
+          <a:p>
+            <a:pPr algn="ctr"/>
+            <a:r>
+              <a:rPr lang="en-US" sz="1200" dirty="0" smtClean="0"/>
+              <a:t>Non-number </a:t>
+            </a:r>
+            <a:r>
+              <a:rPr lang="en-US" sz="1200" dirty="0" err="1" smtClean="0"/>
+              <a:t>semanrtics</a:t>
+            </a:r>
+            <a:endParaRPr lang="en-US" sz="1200" dirty="0"/>
+          </a:p>
+        </p:txBody>
+      </p:sp>
+      <p:sp>
+        <p:nvSpPr>
+          <p:cNvPr id="7" name="Rectangle 6"/>
+          <p:cNvSpPr/>
+          <p:nvPr/>
+        </p:nvSpPr>
+        <p:spPr>
+          <a:xfrm>
+            <a:off x="1536204" y="2368247"/>
+            <a:ext cx="1060798" cy="568637"/>
+          </a:xfrm>
+          <a:prstGeom prst="rect">
+            <a:avLst/>
+          </a:prstGeom>
+        </p:spPr>
+        <p:style>
+          <a:lnRef idx="1">
+            <a:schemeClr val="accent1"/>
+          </a:lnRef>
+          <a:fillRef idx="3">
+            <a:schemeClr val="accent1"/>
+          </a:fillRef>
+          <a:effectRef idx="2">
+            <a:schemeClr val="accent1"/>
+          </a:effectRef>
+          <a:fontRef idx="minor">
+            <a:schemeClr val="lt1"/>
+          </a:fontRef>
+        </p:style>
+        <p:txBody>
+          <a:bodyPr rtlCol="0" anchor="ctr"/>
+          <a:lstStyle/>
+          <a:p>
+            <a:pPr algn="ctr"/>
+            <a:r>
+              <a:rPr lang="en-US" sz="1200" dirty="0" smtClean="0"/>
+              <a:t>Number semantics</a:t>
+            </a:r>
+            <a:endParaRPr lang="en-US" sz="1200" dirty="0"/>
+          </a:p>
+        </p:txBody>
+      </p:sp>
+      <p:sp>
+        <p:nvSpPr>
+          <p:cNvPr id="8" name="TextBox 7"/>
+          <p:cNvSpPr txBox="1"/>
+          <p:nvPr/>
+        </p:nvSpPr>
+        <p:spPr>
+          <a:xfrm>
+            <a:off x="586376" y="5875195"/>
+            <a:ext cx="2108532" cy="646331"/>
+          </a:xfrm>
+          <a:prstGeom prst="rect">
+            <a:avLst/>
+          </a:prstGeom>
+          <a:noFill/>
+        </p:spPr>
+        <p:txBody>
+          <a:bodyPr wrap="none" rtlCol="0">
+            <a:spAutoFit/>
+          </a:bodyPr>
+          <a:lstStyle/>
+          <a:p>
+            <a:r>
+              <a:rPr lang="en-US" dirty="0" smtClean="0"/>
+              <a:t>“Language” network</a:t>
+            </a:r>
+          </a:p>
+          <a:p>
+            <a:r>
+              <a:rPr lang="en-US" dirty="0" smtClean="0"/>
+              <a:t>Trained Early</a:t>
+            </a:r>
+            <a:endParaRPr lang="en-US" dirty="0"/>
+          </a:p>
+        </p:txBody>
+      </p:sp>
+      <p:sp>
+        <p:nvSpPr>
+          <p:cNvPr id="9" name="Rectangle 8"/>
+          <p:cNvSpPr/>
+          <p:nvPr/>
+        </p:nvSpPr>
+        <p:spPr>
+          <a:xfrm>
+            <a:off x="4712868" y="3875932"/>
+            <a:ext cx="2559087" cy="568637"/>
+          </a:xfrm>
+          <a:prstGeom prst="rect">
+            <a:avLst/>
+          </a:prstGeom>
+        </p:spPr>
+        <p:style>
+          <a:lnRef idx="1">
+            <a:schemeClr val="accent1"/>
+          </a:lnRef>
+          <a:fillRef idx="3">
+            <a:schemeClr val="accent1"/>
+          </a:fillRef>
+          <a:effectRef idx="2">
+            <a:schemeClr val="accent1"/>
+          </a:effectRef>
+          <a:fontRef idx="minor">
+            <a:schemeClr val="lt1"/>
+          </a:fontRef>
+        </p:style>
+        <p:txBody>
+          <a:bodyPr rtlCol="0" anchor="ctr"/>
+          <a:lstStyle/>
+          <a:p>
+            <a:pPr algn="ctr"/>
+            <a:r>
+              <a:rPr lang="en-US" sz="1200" dirty="0" smtClean="0"/>
+              <a:t>Addition </a:t>
+            </a:r>
+            <a:r>
+              <a:rPr lang="en-US" sz="1200" dirty="0"/>
+              <a:t>A</a:t>
+            </a:r>
+            <a:r>
+              <a:rPr lang="en-US" sz="1200" dirty="0" smtClean="0"/>
+              <a:t>ssociation Layer</a:t>
+            </a:r>
+            <a:endParaRPr lang="en-US" sz="1200" dirty="0"/>
+          </a:p>
+        </p:txBody>
+      </p:sp>
+      <p:sp>
+        <p:nvSpPr>
+          <p:cNvPr id="10" name="Rectangle 9"/>
+          <p:cNvSpPr/>
+          <p:nvPr/>
+        </p:nvSpPr>
+        <p:spPr>
+          <a:xfrm>
+            <a:off x="4712868" y="2452016"/>
+            <a:ext cx="2559087" cy="568637"/>
+          </a:xfrm>
+          <a:prstGeom prst="rect">
+            <a:avLst/>
+          </a:prstGeom>
+        </p:spPr>
+        <p:style>
+          <a:lnRef idx="1">
+            <a:schemeClr val="accent1"/>
+          </a:lnRef>
+          <a:fillRef idx="3">
+            <a:schemeClr val="accent1"/>
+          </a:fillRef>
+          <a:effectRef idx="2">
+            <a:schemeClr val="accent1"/>
+          </a:effectRef>
+          <a:fontRef idx="minor">
+            <a:schemeClr val="lt1"/>
+          </a:fontRef>
+        </p:style>
+        <p:txBody>
+          <a:bodyPr rtlCol="0" anchor="ctr"/>
+          <a:lstStyle/>
+          <a:p>
+            <a:pPr algn="ctr"/>
+            <a:r>
+              <a:rPr lang="en-US" sz="1200" dirty="0" smtClean="0"/>
+              <a:t>Addition Results</a:t>
+            </a:r>
+            <a:endParaRPr lang="en-US" sz="1200" dirty="0"/>
+          </a:p>
+        </p:txBody>
+      </p:sp>
+      <p:sp>
+        <p:nvSpPr>
+          <p:cNvPr id="11" name="Rectangle 10"/>
+          <p:cNvSpPr/>
+          <p:nvPr/>
+        </p:nvSpPr>
+        <p:spPr>
+          <a:xfrm>
+            <a:off x="4817128" y="5295205"/>
+            <a:ext cx="1041092" cy="568637"/>
+          </a:xfrm>
+          <a:prstGeom prst="rect">
+            <a:avLst/>
+          </a:prstGeom>
+        </p:spPr>
+        <p:style>
+          <a:lnRef idx="1">
+            <a:schemeClr val="accent1"/>
+          </a:lnRef>
+          <a:fillRef idx="3">
+            <a:schemeClr val="accent1"/>
+          </a:fillRef>
+          <a:effectRef idx="2">
+            <a:schemeClr val="accent1"/>
+          </a:effectRef>
+          <a:fontRef idx="minor">
+            <a:schemeClr val="lt1"/>
+          </a:fontRef>
+        </p:style>
+        <p:txBody>
+          <a:bodyPr rtlCol="0" anchor="ctr"/>
+          <a:lstStyle/>
+          <a:p>
+            <a:pPr algn="ctr"/>
+            <a:r>
+              <a:rPr lang="en-US" sz="1200" dirty="0" smtClean="0"/>
+              <a:t>Addend 1 number </a:t>
+            </a:r>
+            <a:r>
+              <a:rPr lang="en-US" sz="1200" dirty="0" err="1" smtClean="0"/>
+              <a:t>semanrtics</a:t>
+            </a:r>
+            <a:endParaRPr lang="en-US" sz="1200" dirty="0"/>
+          </a:p>
+        </p:txBody>
+      </p:sp>
+      <p:sp>
+        <p:nvSpPr>
+          <p:cNvPr id="18" name="Rectangle 17"/>
+          <p:cNvSpPr/>
+          <p:nvPr/>
+        </p:nvSpPr>
+        <p:spPr>
+          <a:xfrm>
+            <a:off x="6163767" y="5295205"/>
+            <a:ext cx="1041092" cy="568637"/>
+          </a:xfrm>
+          <a:prstGeom prst="rect">
+            <a:avLst/>
+          </a:prstGeom>
+        </p:spPr>
+        <p:style>
+          <a:lnRef idx="1">
+            <a:schemeClr val="accent1"/>
+          </a:lnRef>
+          <a:fillRef idx="3">
+            <a:schemeClr val="accent1"/>
+          </a:fillRef>
+          <a:effectRef idx="2">
+            <a:schemeClr val="accent1"/>
+          </a:effectRef>
+          <a:fontRef idx="minor">
+            <a:schemeClr val="lt1"/>
+          </a:fontRef>
+        </p:style>
+        <p:txBody>
+          <a:bodyPr rtlCol="0" anchor="ctr"/>
+          <a:lstStyle/>
+          <a:p>
+            <a:pPr algn="ctr"/>
+            <a:r>
+              <a:rPr lang="en-US" sz="1200" dirty="0" smtClean="0"/>
+              <a:t>Addend 2 number </a:t>
+            </a:r>
+            <a:r>
+              <a:rPr lang="en-US" sz="1200" dirty="0" err="1" smtClean="0"/>
+              <a:t>semanrtics</a:t>
+            </a:r>
+            <a:endParaRPr lang="en-US" sz="1200" dirty="0"/>
+          </a:p>
+        </p:txBody>
+      </p:sp>
+      <p:sp>
+        <p:nvSpPr>
+          <p:cNvPr id="19" name="TextBox 18"/>
+          <p:cNvSpPr txBox="1"/>
+          <p:nvPr/>
+        </p:nvSpPr>
+        <p:spPr>
+          <a:xfrm>
+            <a:off x="6027427" y="6198360"/>
+            <a:ext cx="2044149" cy="646331"/>
+          </a:xfrm>
+          <a:prstGeom prst="rect">
+            <a:avLst/>
+          </a:prstGeom>
+          <a:noFill/>
+        </p:spPr>
+        <p:txBody>
+          <a:bodyPr wrap="none" rtlCol="0">
+            <a:spAutoFit/>
+          </a:bodyPr>
+          <a:lstStyle/>
+          <a:p>
+            <a:r>
+              <a:rPr lang="en-US" dirty="0" smtClean="0"/>
+              <a:t>“Addition” Network</a:t>
+            </a:r>
+          </a:p>
+          <a:p>
+            <a:r>
+              <a:rPr lang="en-US" dirty="0" smtClean="0"/>
+              <a:t>Train Later</a:t>
+            </a:r>
+            <a:endParaRPr lang="en-US" dirty="0"/>
+          </a:p>
+        </p:txBody>
+      </p:sp>
+      <p:pic>
+        <p:nvPicPr>
+          <p:cNvPr id="20" name="Picture 19"/>
+          <p:cNvPicPr>
+            <a:picLocks noChangeAspect="1"/>
+          </p:cNvPicPr>
+          <p:nvPr/>
+        </p:nvPicPr>
+        <p:blipFill rotWithShape="1">
+          <a:blip r:embed="rId2"/>
+          <a:srcRect l="70173" t="30609" r="20473" b="6879"/>
+          <a:stretch/>
+        </p:blipFill>
+        <p:spPr>
+          <a:xfrm rot="16200000">
+            <a:off x="5573125" y="2353666"/>
+            <a:ext cx="855279" cy="2189253"/>
+          </a:xfrm>
+          <a:prstGeom prst="rect">
+            <a:avLst/>
+          </a:prstGeom>
+        </p:spPr>
+      </p:pic>
+      <p:pic>
+        <p:nvPicPr>
+          <p:cNvPr id="21" name="Picture 20"/>
+          <p:cNvPicPr>
+            <a:picLocks noChangeAspect="1"/>
+          </p:cNvPicPr>
+          <p:nvPr/>
+        </p:nvPicPr>
+        <p:blipFill rotWithShape="1">
+          <a:blip r:embed="rId2"/>
+          <a:srcRect l="70173" t="30609" r="20473" b="6879"/>
+          <a:stretch/>
+        </p:blipFill>
+        <p:spPr>
+          <a:xfrm rot="16200000">
+            <a:off x="5573125" y="3777582"/>
+            <a:ext cx="855279" cy="2189253"/>
+          </a:xfrm>
+          <a:prstGeom prst="rect">
+            <a:avLst/>
+          </a:prstGeom>
+        </p:spPr>
+      </p:pic>
+      <p:sp>
+        <p:nvSpPr>
+          <p:cNvPr id="22" name="Rectangle 21"/>
+          <p:cNvSpPr/>
+          <p:nvPr/>
+        </p:nvSpPr>
+        <p:spPr>
+          <a:xfrm>
+            <a:off x="5858220" y="4815988"/>
+            <a:ext cx="320006" cy="568637"/>
+          </a:xfrm>
+          <a:prstGeom prst="rect">
+            <a:avLst/>
+          </a:prstGeom>
+          <a:solidFill>
+            <a:schemeClr val="bg1"/>
+          </a:solidFill>
+        </p:spPr>
+        <p:style>
+          <a:lnRef idx="1">
+            <a:schemeClr val="accent1"/>
+          </a:lnRef>
+          <a:fillRef idx="3">
+            <a:schemeClr val="accent1"/>
+          </a:fillRef>
+          <a:effectRef idx="2">
+            <a:schemeClr val="accent1"/>
+          </a:effectRef>
+          <a:fontRef idx="minor">
+            <a:schemeClr val="lt1"/>
+          </a:fontRef>
+        </p:style>
+        <p:txBody>
+          <a:bodyPr rtlCol="0" anchor="ctr"/>
+          <a:lstStyle/>
+          <a:p>
+            <a:pPr algn="ctr"/>
+            <a:endParaRPr lang="en-US" sz="1200" dirty="0"/>
+          </a:p>
+        </p:txBody>
+      </p:sp>
+      <p:sp>
+        <p:nvSpPr>
+          <p:cNvPr id="24" name="Rectangle 23"/>
+          <p:cNvSpPr/>
+          <p:nvPr/>
+        </p:nvSpPr>
+        <p:spPr>
+          <a:xfrm>
+            <a:off x="7402399" y="3876973"/>
+            <a:ext cx="1545682" cy="568637"/>
+          </a:xfrm>
+          <a:prstGeom prst="rect">
+            <a:avLst/>
+          </a:prstGeom>
+        </p:spPr>
+        <p:style>
+          <a:lnRef idx="1">
+            <a:schemeClr val="accent1"/>
+          </a:lnRef>
+          <a:fillRef idx="3">
+            <a:schemeClr val="accent1"/>
+          </a:fillRef>
+          <a:effectRef idx="2">
+            <a:schemeClr val="accent1"/>
+          </a:effectRef>
+          <a:fontRef idx="minor">
+            <a:schemeClr val="lt1"/>
+          </a:fontRef>
+        </p:style>
+        <p:txBody>
+          <a:bodyPr rtlCol="0" anchor="ctr"/>
+          <a:lstStyle/>
+          <a:p>
+            <a:pPr algn="ctr"/>
+            <a:r>
+              <a:rPr lang="en-US" sz="1200" dirty="0" smtClean="0"/>
+              <a:t>Strategy Association Layer</a:t>
+            </a:r>
+            <a:endParaRPr lang="en-US" sz="1200" dirty="0"/>
+          </a:p>
+        </p:txBody>
+      </p:sp>
+      <p:sp>
+        <p:nvSpPr>
+          <p:cNvPr id="26" name="Rectangle 25"/>
+          <p:cNvSpPr/>
+          <p:nvPr/>
+        </p:nvSpPr>
+        <p:spPr>
+          <a:xfrm>
+            <a:off x="7555550" y="2452015"/>
+            <a:ext cx="1060798" cy="568637"/>
+          </a:xfrm>
+          <a:prstGeom prst="rect">
+            <a:avLst/>
+          </a:prstGeom>
+        </p:spPr>
+        <p:style>
+          <a:lnRef idx="1">
+            <a:schemeClr val="accent1"/>
+          </a:lnRef>
+          <a:fillRef idx="3">
+            <a:schemeClr val="accent1"/>
+          </a:fillRef>
+          <a:effectRef idx="2">
+            <a:schemeClr val="accent1"/>
+          </a:effectRef>
+          <a:fontRef idx="minor">
+            <a:schemeClr val="lt1"/>
+          </a:fontRef>
+        </p:style>
+        <p:txBody>
+          <a:bodyPr rtlCol="0" anchor="ctr"/>
+          <a:lstStyle/>
+          <a:p>
+            <a:pPr algn="ctr"/>
+            <a:r>
+              <a:rPr lang="en-US" sz="1200" dirty="0" smtClean="0"/>
+              <a:t>Strategies</a:t>
+            </a:r>
+            <a:endParaRPr lang="en-US" sz="1200" dirty="0"/>
+          </a:p>
+        </p:txBody>
+      </p:sp>
+      <p:cxnSp>
+        <p:nvCxnSpPr>
+          <p:cNvPr id="29" name="Elbow Connector 28"/>
+          <p:cNvCxnSpPr>
+            <a:stCxn id="7" idx="3"/>
+            <a:endCxn id="11" idx="2"/>
+          </p:cNvCxnSpPr>
+          <p:nvPr/>
+        </p:nvCxnSpPr>
+        <p:spPr>
+          <a:xfrm>
+            <a:off x="2597002" y="2652566"/>
+            <a:ext cx="2740672" cy="3211276"/>
+          </a:xfrm>
+          <a:prstGeom prst="bentConnector4">
+            <a:avLst>
+              <a:gd name="adj1" fmla="val 40503"/>
+              <a:gd name="adj2" fmla="val 107119"/>
+            </a:avLst>
+          </a:prstGeom>
+          <a:ln>
+            <a:tailEnd type="arrow"/>
+          </a:ln>
+        </p:spPr>
+        <p:style>
+          <a:lnRef idx="2">
+            <a:schemeClr val="accent1"/>
+          </a:lnRef>
+          <a:fillRef idx="0">
+            <a:schemeClr val="accent1"/>
+          </a:fillRef>
+          <a:effectRef idx="1">
+            <a:schemeClr val="accent1"/>
+          </a:effectRef>
+          <a:fontRef idx="minor">
+            <a:schemeClr val="tx1"/>
+          </a:fontRef>
+        </p:style>
+      </p:cxnSp>
+      <p:cxnSp>
+        <p:nvCxnSpPr>
+          <p:cNvPr id="33" name="Elbow Connector 32"/>
+          <p:cNvCxnSpPr>
+            <a:stCxn id="7" idx="3"/>
+            <a:endCxn id="18" idx="2"/>
+          </p:cNvCxnSpPr>
+          <p:nvPr/>
+        </p:nvCxnSpPr>
+        <p:spPr>
+          <a:xfrm>
+            <a:off x="2597002" y="2652566"/>
+            <a:ext cx="4087311" cy="3211276"/>
+          </a:xfrm>
+          <a:prstGeom prst="bentConnector4">
+            <a:avLst>
+              <a:gd name="adj1" fmla="val 43632"/>
+              <a:gd name="adj2" fmla="val 107119"/>
+            </a:avLst>
+          </a:prstGeom>
+          <a:ln>
+            <a:tailEnd type="arrow"/>
+          </a:ln>
+        </p:spPr>
+        <p:style>
+          <a:lnRef idx="2">
+            <a:schemeClr val="accent1"/>
+          </a:lnRef>
+          <a:fillRef idx="0">
+            <a:schemeClr val="accent1"/>
+          </a:fillRef>
+          <a:effectRef idx="1">
+            <a:schemeClr val="accent1"/>
+          </a:effectRef>
+          <a:fontRef idx="minor">
+            <a:schemeClr val="tx1"/>
+          </a:fontRef>
+        </p:style>
+      </p:cxnSp>
+      <p:sp>
+        <p:nvSpPr>
+          <p:cNvPr id="36" name="TextBox 35"/>
+          <p:cNvSpPr txBox="1"/>
+          <p:nvPr/>
+        </p:nvSpPr>
+        <p:spPr>
+          <a:xfrm>
+            <a:off x="1368189" y="1515306"/>
+            <a:ext cx="1735008" cy="369332"/>
+          </a:xfrm>
+          <a:prstGeom prst="rect">
+            <a:avLst/>
+          </a:prstGeom>
+          <a:noFill/>
+        </p:spPr>
+        <p:txBody>
+          <a:bodyPr wrap="none" rtlCol="0">
+            <a:spAutoFit/>
+          </a:bodyPr>
+          <a:lstStyle/>
+          <a:p>
+            <a:r>
+              <a:rPr lang="en-US" dirty="0" smtClean="0"/>
+              <a:t>Number Naming</a:t>
+            </a:r>
+            <a:endParaRPr lang="en-US" dirty="0"/>
+          </a:p>
+        </p:txBody>
+      </p:sp>
+      <p:sp>
+        <p:nvSpPr>
+          <p:cNvPr id="37" name="TextBox 36"/>
+          <p:cNvSpPr txBox="1"/>
+          <p:nvPr/>
+        </p:nvSpPr>
+        <p:spPr>
+          <a:xfrm>
+            <a:off x="3964068" y="1047543"/>
+            <a:ext cx="1030563" cy="369332"/>
+          </a:xfrm>
+          <a:prstGeom prst="rect">
+            <a:avLst/>
+          </a:prstGeom>
+          <a:noFill/>
+        </p:spPr>
+        <p:txBody>
+          <a:bodyPr wrap="none" rtlCol="0">
+            <a:spAutoFit/>
+          </a:bodyPr>
+          <a:lstStyle/>
+          <a:p>
+            <a:r>
+              <a:rPr lang="en-US" dirty="0" smtClean="0"/>
+              <a:t>Counting</a:t>
+            </a:r>
+            <a:endParaRPr lang="en-US" dirty="0"/>
+          </a:p>
+        </p:txBody>
+      </p:sp>
+      <p:sp>
+        <p:nvSpPr>
+          <p:cNvPr id="38" name="TextBox 37"/>
+          <p:cNvSpPr txBox="1"/>
+          <p:nvPr/>
+        </p:nvSpPr>
+        <p:spPr>
+          <a:xfrm>
+            <a:off x="5365664" y="758283"/>
+            <a:ext cx="2036735" cy="646331"/>
+          </a:xfrm>
+          <a:prstGeom prst="rect">
+            <a:avLst/>
+          </a:prstGeom>
+          <a:noFill/>
+        </p:spPr>
+        <p:txBody>
+          <a:bodyPr wrap="none" rtlCol="0">
+            <a:spAutoFit/>
+          </a:bodyPr>
+          <a:lstStyle/>
+          <a:p>
+            <a:r>
+              <a:rPr lang="en-US" dirty="0" smtClean="0"/>
+              <a:t>Single digit addition</a:t>
+            </a:r>
+          </a:p>
+          <a:p>
+            <a:r>
+              <a:rPr lang="en-US" dirty="0" smtClean="0"/>
+              <a:t>     </a:t>
+            </a:r>
+            <a:r>
+              <a:rPr lang="en-US" dirty="0" smtClean="0"/>
+              <a:t>   (</a:t>
+            </a:r>
+            <a:r>
+              <a:rPr lang="en-US" dirty="0" smtClean="0"/>
+              <a:t>up to 5+</a:t>
+            </a:r>
+            <a:r>
+              <a:rPr lang="en-US" dirty="0" smtClean="0"/>
+              <a:t>5)</a:t>
+            </a:r>
+            <a:endParaRPr lang="en-US" dirty="0"/>
+          </a:p>
+        </p:txBody>
+      </p:sp>
+      <p:sp>
+        <p:nvSpPr>
+          <p:cNvPr id="39" name="Oval 38"/>
+          <p:cNvSpPr/>
+          <p:nvPr/>
+        </p:nvSpPr>
+        <p:spPr>
+          <a:xfrm rot="20990559">
+            <a:off x="3521409" y="386051"/>
+            <a:ext cx="4505278" cy="1429897"/>
+          </a:xfrm>
+          <a:prstGeom prst="ellipse">
+            <a:avLst/>
+          </a:prstGeom>
+          <a:solidFill>
+            <a:schemeClr val="accent2">
+              <a:lumMod val="40000"/>
+              <a:lumOff val="60000"/>
+              <a:alpha val="26000"/>
+            </a:schemeClr>
+          </a:solidFill>
+        </p:spPr>
+        <p:style>
+          <a:lnRef idx="1">
+            <a:schemeClr val="accent1"/>
+          </a:lnRef>
+          <a:fillRef idx="3">
+            <a:schemeClr val="accent1"/>
+          </a:fillRef>
+          <a:effectRef idx="2">
+            <a:schemeClr val="accent1"/>
+          </a:effectRef>
+          <a:fontRef idx="minor">
+            <a:schemeClr val="lt1"/>
+          </a:fontRef>
+        </p:style>
+        <p:txBody>
+          <a:bodyPr rtlCol="0" anchor="ctr"/>
+          <a:lstStyle/>
+          <a:p>
+            <a:pPr algn="ctr"/>
+            <a:endParaRPr lang="en-US"/>
+          </a:p>
+        </p:txBody>
+      </p:sp>
+      <p:sp>
+        <p:nvSpPr>
+          <p:cNvPr id="40" name="Oval 39"/>
+          <p:cNvSpPr/>
+          <p:nvPr/>
+        </p:nvSpPr>
+        <p:spPr>
+          <a:xfrm rot="20990559">
+            <a:off x="776327" y="817441"/>
+            <a:ext cx="4505278" cy="1429897"/>
+          </a:xfrm>
+          <a:prstGeom prst="ellipse">
+            <a:avLst/>
+          </a:prstGeom>
+          <a:solidFill>
+            <a:schemeClr val="accent2">
+              <a:lumMod val="40000"/>
+              <a:lumOff val="60000"/>
+              <a:alpha val="26000"/>
+            </a:schemeClr>
+          </a:solidFill>
+        </p:spPr>
+        <p:style>
+          <a:lnRef idx="1">
+            <a:schemeClr val="accent1"/>
+          </a:lnRef>
+          <a:fillRef idx="3">
+            <a:schemeClr val="accent1"/>
+          </a:fillRef>
+          <a:effectRef idx="2">
+            <a:schemeClr val="accent1"/>
+          </a:effectRef>
+          <a:fontRef idx="minor">
+            <a:schemeClr val="lt1"/>
+          </a:fontRef>
+        </p:style>
+        <p:txBody>
+          <a:bodyPr rtlCol="0" anchor="ctr"/>
+          <a:lstStyle/>
+          <a:p>
+            <a:pPr algn="ctr"/>
+            <a:endParaRPr lang="en-US"/>
+          </a:p>
+        </p:txBody>
+      </p:sp>
+      <p:pic>
+        <p:nvPicPr>
+          <p:cNvPr id="41" name="Picture 40"/>
+          <p:cNvPicPr>
+            <a:picLocks noChangeAspect="1"/>
+          </p:cNvPicPr>
+          <p:nvPr/>
+        </p:nvPicPr>
+        <p:blipFill rotWithShape="1">
+          <a:blip r:embed="rId2"/>
+          <a:srcRect l="70173" t="30609" r="20473" b="6879"/>
+          <a:stretch/>
+        </p:blipFill>
+        <p:spPr>
+          <a:xfrm rot="16200000">
+            <a:off x="1151871" y="2269897"/>
+            <a:ext cx="855279" cy="2189253"/>
+          </a:xfrm>
+          <a:prstGeom prst="rect">
+            <a:avLst/>
+          </a:prstGeom>
+        </p:spPr>
+      </p:pic>
+      <p:pic>
+        <p:nvPicPr>
+          <p:cNvPr id="42" name="Picture 41"/>
+          <p:cNvPicPr>
+            <a:picLocks noChangeAspect="1"/>
+          </p:cNvPicPr>
+          <p:nvPr/>
+        </p:nvPicPr>
+        <p:blipFill rotWithShape="1">
+          <a:blip r:embed="rId2"/>
+          <a:srcRect l="70173" t="30609" r="20473" b="6879"/>
+          <a:stretch/>
+        </p:blipFill>
+        <p:spPr>
+          <a:xfrm rot="16200000">
+            <a:off x="1098336" y="3693814"/>
+            <a:ext cx="855279" cy="2189253"/>
+          </a:xfrm>
+          <a:prstGeom prst="rect">
+            <a:avLst/>
+          </a:prstGeom>
+        </p:spPr>
+      </p:pic>
+      <p:pic>
+        <p:nvPicPr>
+          <p:cNvPr id="43" name="Picture 42"/>
+          <p:cNvPicPr>
+            <a:picLocks noChangeAspect="1"/>
+          </p:cNvPicPr>
+          <p:nvPr/>
+        </p:nvPicPr>
+        <p:blipFill rotWithShape="1">
+          <a:blip r:embed="rId2"/>
+          <a:srcRect l="70173" t="30609" r="20473" b="6879"/>
+          <a:stretch/>
+        </p:blipFill>
+        <p:spPr>
+          <a:xfrm rot="18876480">
+            <a:off x="6844402" y="4605404"/>
+            <a:ext cx="1432182" cy="683827"/>
+          </a:xfrm>
+          <a:prstGeom prst="rect">
+            <a:avLst/>
+          </a:prstGeom>
+        </p:spPr>
+      </p:pic>
+      <p:sp>
+        <p:nvSpPr>
+          <p:cNvPr id="44" name="Rectangle 43"/>
+          <p:cNvSpPr/>
+          <p:nvPr/>
+        </p:nvSpPr>
+        <p:spPr>
+          <a:xfrm rot="2501037">
+            <a:off x="7178144" y="4958667"/>
+            <a:ext cx="130525" cy="568637"/>
+          </a:xfrm>
+          <a:prstGeom prst="rect">
+            <a:avLst/>
+          </a:prstGeom>
+          <a:solidFill>
+            <a:schemeClr val="bg1"/>
+          </a:solidFill>
+        </p:spPr>
+        <p:style>
+          <a:lnRef idx="1">
+            <a:schemeClr val="accent1"/>
+          </a:lnRef>
+          <a:fillRef idx="3">
+            <a:schemeClr val="accent1"/>
+          </a:fillRef>
+          <a:effectRef idx="2">
+            <a:schemeClr val="accent1"/>
+          </a:effectRef>
+          <a:fontRef idx="minor">
+            <a:schemeClr val="lt1"/>
+          </a:fontRef>
+        </p:style>
+        <p:txBody>
+          <a:bodyPr rtlCol="0" anchor="ctr"/>
+          <a:lstStyle/>
+          <a:p>
+            <a:pPr algn="ctr"/>
+            <a:endParaRPr lang="en-US" sz="1200" dirty="0"/>
+          </a:p>
+        </p:txBody>
+      </p:sp>
+    </p:spTree>
+    <p:extLst>
+      <p:ext uri="{BB962C8B-B14F-4D97-AF65-F5344CB8AC3E}">
+        <p14:creationId xmlns:p14="http://schemas.microsoft.com/office/powerpoint/2010/main" val="2062844238"/>
+      </p:ext>
+    </p:extLst>
+  </p:cSld>
+  <p:clrMapOvr>
+    <a:masterClrMapping/>
+  </p:clrMapOvr>
+</p:sld>
+</file>
+
+<file path=ppt/slides/slide7.xml><?xml version="1.0" encoding="utf-8"?>
+<p:sld xmlns:a="http://schemas.openxmlformats.org/drawingml/2006/main" xmlns:r="http://schemas.openxmlformats.org/officeDocument/2006/relationships" xmlns:p="http://schemas.openxmlformats.org/presentationml/2006/main">
+  <p:cSld>
+    <p:spTree>
+      <p:nvGrpSpPr>
+        <p:cNvPr id="1" name=""/>
+        <p:cNvGrpSpPr/>
+        <p:nvPr/>
+      </p:nvGrpSpPr>
+      <p:grpSpPr>
+        <a:xfrm>
+          <a:off x="0" y="0"/>
+          <a:ext cx="0" cy="0"/>
+          <a:chOff x="0" y="0"/>
+          <a:chExt cx="0" cy="0"/>
+        </a:xfrm>
+      </p:grpSpPr>
+      <p:sp>
+        <p:nvSpPr>
+          <p:cNvPr id="2" name="Title 1"/>
+          <p:cNvSpPr>
+            <a:spLocks noGrp="1"/>
+          </p:cNvSpPr>
+          <p:nvPr>
+            <p:ph type="title"/>
+          </p:nvPr>
+        </p:nvSpPr>
+        <p:spPr/>
+        <p:txBody>
+          <a:bodyPr/>
+          <a:lstStyle/>
+          <a:p>
+            <a:r>
+              <a:rPr lang="en-US" dirty="0" smtClean="0"/>
+              <a:t>Method Details</a:t>
+            </a:r>
+            <a:endParaRPr lang="en-US" dirty="0"/>
+          </a:p>
+        </p:txBody>
+      </p:sp>
+      <p:sp>
+        <p:nvSpPr>
+          <p:cNvPr id="3" name="Content Placeholder 2"/>
+          <p:cNvSpPr>
+            <a:spLocks noGrp="1"/>
+          </p:cNvSpPr>
+          <p:nvPr>
+            <p:ph idx="1"/>
+          </p:nvPr>
+        </p:nvSpPr>
+        <p:spPr/>
+        <p:txBody>
+          <a:bodyPr>
+            <a:normAutofit lnSpcReduction="10000"/>
+          </a:bodyPr>
+          <a:lstStyle/>
+          <a:p>
+            <a:pPr marL="0" indent="0">
+              <a:buNone/>
+            </a:pPr>
+            <a:r>
+              <a:rPr lang="en-US" dirty="0" smtClean="0"/>
+              <a:t>Basic representation (-1</a:t>
+            </a:r>
+            <a:r>
+              <a:rPr lang="en-US" dirty="0" smtClean="0">
+                <a:sym typeface="Wingdings"/>
+              </a:rPr>
+              <a:t>1), </a:t>
+            </a:r>
+            <a:r>
+              <a:rPr lang="en-US" dirty="0" err="1" smtClean="0">
+                <a:sym typeface="Wingdings"/>
+              </a:rPr>
+              <a:t>tanh</a:t>
+            </a:r>
+            <a:r>
+              <a:rPr lang="en-US" dirty="0" smtClean="0">
+                <a:sym typeface="Wingdings"/>
+              </a:rPr>
+              <a:t> asymptote</a:t>
+            </a:r>
+            <a:endParaRPr lang="en-US" dirty="0" smtClean="0"/>
+          </a:p>
+          <a:p>
+            <a:pPr marL="0" indent="0">
+              <a:buNone/>
+            </a:pPr>
+            <a:r>
+              <a:rPr lang="en-US" dirty="0" smtClean="0"/>
+              <a:t>Diff. representations/orthogonality</a:t>
+            </a:r>
+          </a:p>
+          <a:p>
+            <a:pPr marL="0" indent="0">
+              <a:buNone/>
+            </a:pPr>
+            <a:r>
+              <a:rPr lang="en-US" dirty="0" smtClean="0"/>
+              <a:t>Language training (250 set v. 20 set v. </a:t>
+            </a:r>
+          </a:p>
+          <a:p>
+            <a:pPr marL="0" indent="0">
+              <a:buNone/>
+            </a:pPr>
+            <a:r>
+              <a:rPr lang="en-US" dirty="0" smtClean="0"/>
+              <a:t>Counting pretraining</a:t>
+            </a:r>
+          </a:p>
+          <a:p>
+            <a:pPr marL="0" indent="0">
+              <a:buNone/>
+            </a:pPr>
+            <a:r>
+              <a:rPr lang="en-US" dirty="0" smtClean="0"/>
+              <a:t>Parameter search method</a:t>
+            </a:r>
+          </a:p>
+          <a:p>
+            <a:pPr marL="0" indent="0">
+              <a:buNone/>
+            </a:pPr>
+            <a:r>
+              <a:rPr lang="en-US" dirty="0" smtClean="0"/>
+              <a:t>Analysis methods</a:t>
+            </a:r>
+          </a:p>
+          <a:p>
+            <a:pPr marL="0" indent="0">
+              <a:buNone/>
+            </a:pPr>
+            <a:r>
+              <a:rPr lang="en-US" dirty="0" smtClean="0"/>
+              <a:t>How language training is moved to addition addends</a:t>
+            </a:r>
+          </a:p>
+          <a:p>
+            <a:pPr marL="0" indent="0">
+              <a:buNone/>
+            </a:pPr>
+            <a:endParaRPr lang="en-US" dirty="0" smtClean="0"/>
+          </a:p>
+          <a:p>
+            <a:pPr marL="0" indent="0">
+              <a:buNone/>
+            </a:pPr>
+            <a:endParaRPr lang="en-US" dirty="0" smtClean="0"/>
+          </a:p>
+        </p:txBody>
+      </p:sp>
+    </p:spTree>
+    <p:extLst>
+      <p:ext uri="{BB962C8B-B14F-4D97-AF65-F5344CB8AC3E}">
+        <p14:creationId xmlns:p14="http://schemas.microsoft.com/office/powerpoint/2010/main" val="4239869723"/>
+      </p:ext>
+    </p:extLst>
+  </p:cSld>
+  <p:clrMapOvr>
+    <a:masterClrMapping/>
+  </p:clrMapOvr>
+</p:sld>
+</file>
+
+<file path=ppt/slides/slide8.xml><?xml version="1.0" encoding="utf-8"?>
+<p:sld xmlns:a="http://schemas.openxmlformats.org/drawingml/2006/main" xmlns:r="http://schemas.openxmlformats.org/officeDocument/2006/relationships" xmlns:p="http://schemas.openxmlformats.org/presentationml/2006/main">
+  <p:cSld>
+    <p:spTree>
+      <p:nvGrpSpPr>
+        <p:cNvPr id="1" name=""/>
+        <p:cNvGrpSpPr/>
+        <p:nvPr/>
+      </p:nvGrpSpPr>
+      <p:grpSpPr>
+        <a:xfrm>
+          <a:off x="0" y="0"/>
+          <a:ext cx="0" cy="0"/>
+          <a:chOff x="0" y="0"/>
+          <a:chExt cx="0" cy="0"/>
+        </a:xfrm>
+      </p:grpSpPr>
+      <p:sp>
+        <p:nvSpPr>
+          <p:cNvPr id="2" name="Title 1"/>
+          <p:cNvSpPr>
+            <a:spLocks noGrp="1"/>
+          </p:cNvSpPr>
+          <p:nvPr>
+            <p:ph type="title"/>
+          </p:nvPr>
+        </p:nvSpPr>
+        <p:spPr/>
+        <p:txBody>
+          <a:bodyPr/>
+          <a:lstStyle/>
+          <a:p>
+            <a:r>
+              <a:rPr lang="en-US" dirty="0" smtClean="0"/>
+              <a:t>Results</a:t>
+            </a:r>
+            <a:endParaRPr lang="en-US" dirty="0"/>
+          </a:p>
+        </p:txBody>
+      </p:sp>
+      <p:sp>
+        <p:nvSpPr>
+          <p:cNvPr id="4" name="Content Placeholder 2"/>
+          <p:cNvSpPr>
+            <a:spLocks noGrp="1"/>
+          </p:cNvSpPr>
+          <p:nvPr>
+            <p:ph idx="1"/>
+          </p:nvPr>
+        </p:nvSpPr>
+        <p:spPr>
+          <a:xfrm>
+            <a:off x="457200" y="1600200"/>
+            <a:ext cx="8229600" cy="4525963"/>
+          </a:xfrm>
+        </p:spPr>
+        <p:txBody>
+          <a:bodyPr>
+            <a:normAutofit fontScale="92500" lnSpcReduction="10000"/>
+          </a:bodyPr>
+          <a:lstStyle/>
+          <a:p>
+            <a:r>
+              <a:rPr lang="en-US" dirty="0" smtClean="0"/>
+              <a:t>Language</a:t>
+            </a:r>
+          </a:p>
+          <a:p>
+            <a:pPr lvl="1"/>
+            <a:r>
+              <a:rPr lang="en-US" dirty="0" smtClean="0"/>
+              <a:t>Basic learning</a:t>
+            </a:r>
+          </a:p>
+          <a:p>
+            <a:pPr lvl="1"/>
+            <a:r>
+              <a:rPr lang="en-US" dirty="0" smtClean="0"/>
+              <a:t>Different representation/orthogonality</a:t>
+            </a:r>
+          </a:p>
+          <a:p>
+            <a:r>
+              <a:rPr lang="en-US" dirty="0" smtClean="0"/>
+              <a:t>Non-Language Addition</a:t>
+            </a:r>
+            <a:endParaRPr lang="en-US" dirty="0"/>
+          </a:p>
+          <a:p>
+            <a:pPr lvl="1"/>
+            <a:r>
+              <a:rPr lang="en-US" dirty="0" smtClean="0"/>
+              <a:t>Basic learning</a:t>
+            </a:r>
+          </a:p>
+          <a:p>
+            <a:pPr lvl="1"/>
+            <a:r>
+              <a:rPr lang="en-US" dirty="0" smtClean="0"/>
+              <a:t>Counting pretraining effect</a:t>
+            </a:r>
+          </a:p>
+          <a:p>
+            <a:pPr lvl="1"/>
+            <a:r>
+              <a:rPr lang="en-US" dirty="0" smtClean="0"/>
+              <a:t>Error effect</a:t>
+            </a:r>
+            <a:endParaRPr lang="en-US" dirty="0"/>
+          </a:p>
+          <a:p>
+            <a:r>
+              <a:rPr lang="en-US" dirty="0" smtClean="0"/>
+              <a:t>Combined Language </a:t>
+            </a:r>
+            <a:r>
+              <a:rPr lang="en-US" dirty="0" smtClean="0">
+                <a:sym typeface="Wingdings"/>
+              </a:rPr>
+              <a:t> Addition</a:t>
+            </a:r>
+          </a:p>
+          <a:p>
+            <a:pPr lvl="1"/>
+            <a:r>
+              <a:rPr lang="en-US" dirty="0" smtClean="0"/>
+              <a:t>Same set of experiments with pre-trained language input</a:t>
+            </a:r>
+            <a:endParaRPr lang="en-US" dirty="0"/>
+          </a:p>
+        </p:txBody>
+      </p:sp>
+    </p:spTree>
+    <p:extLst>
+      <p:ext uri="{BB962C8B-B14F-4D97-AF65-F5344CB8AC3E}">
+        <p14:creationId xmlns:p14="http://schemas.microsoft.com/office/powerpoint/2010/main" val="250855392"/>
       </p:ext>
     </p:extLst>
   </p:cSld>

--- a/201608LabPresentation.pptx
+++ b/201608LabPresentation.pptx
@@ -5242,7 +5242,7 @@
         <p:spPr/>
         <p:txBody>
           <a:bodyPr>
-            <a:normAutofit lnSpcReduction="10000"/>
+            <a:normAutofit fontScale="92500" lnSpcReduction="20000"/>
           </a:bodyPr>
           <a:lstStyle/>
           <a:p>
@@ -5331,7 +5331,15 @@
             <a:pPr marL="0" indent="0">
               <a:buNone/>
             </a:pPr>
-            <a:endParaRPr lang="en-US" dirty="0" smtClean="0"/>
+            <a:r>
+              <a:rPr lang="en-US" dirty="0" smtClean="0"/>
+              <a:t>The problem of individual identity (starting with random </a:t>
+            </a:r>
+            <a:r>
+              <a:rPr lang="en-US" smtClean="0"/>
+              <a:t>values)</a:t>
+            </a:r>
+            <a:endParaRPr lang="en-US" dirty="0"/>
           </a:p>
           <a:p>
             <a:pPr marL="0" indent="0">

--- a/201608LabPresentation.pptx
+++ b/201608LabPresentation.pptx
@@ -5333,11 +5333,7 @@
             </a:pPr>
             <a:r>
               <a:rPr lang="en-US" dirty="0" smtClean="0"/>
-              <a:t>The problem of individual identity (starting with random </a:t>
-            </a:r>
-            <a:r>
-              <a:rPr lang="en-US" smtClean="0"/>
-              <a:t>values)</a:t>
+              <a:t>The problem of individual identity (starting with random values)</a:t>
             </a:r>
             <a:endParaRPr lang="en-US" dirty="0"/>
           </a:p>

--- a/201608LabPresentation.pptx
+++ b/201608LabPresentation.pptx
@@ -3126,15 +3126,7 @@
           <a:p>
             <a:r>
               <a:rPr lang="en-US" sz="2800" dirty="0" smtClean="0"/>
-              <a:t>Considerations Arising from an Updated Computational Model of Early </a:t>
-            </a:r>
-            <a:r>
-              <a:rPr lang="en-US" sz="2800" dirty="0" smtClean="0"/>
-              <a:t>Math Skills </a:t>
-            </a:r>
-            <a:r>
-              <a:rPr lang="en-US" sz="2800" dirty="0" smtClean="0"/>
-              <a:t>and Knowledge</a:t>
+              <a:t>Considerations Arising from an Updated Computational Model of Early Math Skills and Knowledge</a:t>
             </a:r>
             <a:endParaRPr lang="en-US" sz="2800" dirty="0"/>
           </a:p>
@@ -3177,23 +3169,7 @@
                   <a:schemeClr val="tx1"/>
                 </a:solidFill>
               </a:rPr>
-              <a:t> Lab: </a:t>
-            </a:r>
-            <a:r>
-              <a:rPr lang="en-US" sz="2800" dirty="0" smtClean="0">
-                <a:solidFill>
-                  <a:schemeClr val="tx1"/>
-                </a:solidFill>
-              </a:rPr>
-              <a:t>Christian, Lang</a:t>
-            </a:r>
-            <a:r>
-              <a:rPr lang="en-US" sz="2800" dirty="0" smtClean="0">
-                <a:solidFill>
-                  <a:schemeClr val="tx1"/>
-                </a:solidFill>
-              </a:rPr>
-              <a:t>, </a:t>
+              <a:t> Lab: Christian, Lang, </a:t>
             </a:r>
             <a:r>
               <a:rPr lang="en-US" sz="2800" dirty="0" err="1" smtClean="0">
@@ -3220,23 +3196,7 @@
                   <a:schemeClr val="tx1"/>
                 </a:solidFill>
               </a:rPr>
-              <a:t>Interns</a:t>
-            </a:r>
-            <a:r>
-              <a:rPr lang="en-US" sz="2800" dirty="0" smtClean="0">
-                <a:solidFill>
-                  <a:schemeClr val="tx1"/>
-                </a:solidFill>
-              </a:rPr>
-              <a:t>: </a:t>
-            </a:r>
-            <a:r>
-              <a:rPr lang="en-US" sz="2800" dirty="0" smtClean="0">
-                <a:solidFill>
-                  <a:schemeClr val="tx1"/>
-                </a:solidFill>
-              </a:rPr>
-              <a:t>Archer, Eric, Myra, </a:t>
+              <a:t>Interns: Archer, Eric, Myra, </a:t>
             </a:r>
             <a:r>
               <a:rPr lang="en-US" sz="2800" dirty="0" err="1" smtClean="0">
@@ -3254,11 +3214,6 @@
               </a:rPr>
               <a:t> </a:t>
             </a:r>
-            <a:endParaRPr lang="en-US" sz="2800" dirty="0" smtClean="0">
-              <a:solidFill>
-                <a:schemeClr val="tx1"/>
-              </a:solidFill>
-            </a:endParaRPr>
           </a:p>
           <a:p>
             <a:pPr algn="l"/>
@@ -3268,21 +3223,8 @@
                   <a:schemeClr val="tx1"/>
                 </a:solidFill>
               </a:rPr>
-              <a:t>SymSys</a:t>
-            </a:r>
-            <a:r>
-              <a:rPr lang="en-US" sz="2800" dirty="0" smtClean="0">
-                <a:solidFill>
-                  <a:schemeClr val="tx1"/>
-                </a:solidFill>
-              </a:rPr>
-              <a:t>: Jeff</a:t>
-            </a:r>
-            <a:endParaRPr lang="en-US" sz="2800" dirty="0" smtClean="0">
-              <a:solidFill>
-                <a:schemeClr val="tx1"/>
-              </a:solidFill>
-            </a:endParaRPr>
+              <a:t>SymSys: Jeff</a:t>
+            </a:r>
           </a:p>
         </p:txBody>
       </p:sp>
@@ -3912,19 +3854,7 @@
           <a:p>
             <a:r>
               <a:rPr lang="en-US" dirty="0" smtClean="0"/>
-              <a:t>     </a:t>
-            </a:r>
-            <a:r>
-              <a:rPr lang="en-US" dirty="0" smtClean="0"/>
-              <a:t>   (</a:t>
-            </a:r>
-            <a:r>
-              <a:rPr lang="en-US" dirty="0" smtClean="0"/>
-              <a:t>up to 5+</a:t>
-            </a:r>
-            <a:r>
-              <a:rPr lang="en-US" dirty="0" smtClean="0"/>
-              <a:t>5)</a:t>
+              <a:t>        (up to 5+5)</a:t>
             </a:r>
             <a:endParaRPr lang="en-US" dirty="0"/>
           </a:p>
@@ -4078,16 +4008,46 @@
           </a:prstGeom>
         </p:spPr>
       </p:pic>
-      <p:sp>
-        <p:nvSpPr>
-          <p:cNvPr id="3" name="TextBox 2"/>
+      <p:pic>
+        <p:nvPicPr>
+          <p:cNvPr id="4" name="Picture 3" descr="F4.medium.gif"/>
+          <p:cNvPicPr>
+            <a:picLocks noChangeAspect="1"/>
+          </p:cNvPicPr>
+          <p:nvPr/>
+        </p:nvPicPr>
+        <p:blipFill>
+          <a:blip r:embed="rId4">
+            <a:extLst>
+              <a:ext uri="{28A0092B-C50C-407E-A947-70E740481C1C}">
+                <a14:useLocalDpi xmlns:a14="http://schemas.microsoft.com/office/drawing/2010/main" val="0"/>
+              </a:ext>
+            </a:extLst>
+          </a:blip>
+          <a:stretch>
+            <a:fillRect/>
+          </a:stretch>
+        </p:blipFill>
+        <p:spPr>
+          <a:xfrm>
+            <a:off x="215078" y="3991367"/>
+            <a:ext cx="3724474" cy="2784891"/>
+          </a:xfrm>
+          <a:prstGeom prst="rect">
+            <a:avLst/>
+          </a:prstGeom>
+        </p:spPr>
+      </p:pic>
+      <p:sp>
+        <p:nvSpPr>
+          <p:cNvPr id="18" name="TextBox 17"/>
           <p:cNvSpPr txBox="1"/>
           <p:nvPr/>
         </p:nvSpPr>
         <p:spPr>
           <a:xfrm>
-            <a:off x="626727" y="4546795"/>
-            <a:ext cx="4365298" cy="923330"/>
+            <a:off x="2289984" y="6164966"/>
+            <a:ext cx="2608776" cy="646331"/>
           </a:xfrm>
           <a:prstGeom prst="rect">
             <a:avLst/>
@@ -4095,39 +4055,24 @@
           <a:noFill/>
         </p:spPr>
         <p:txBody>
-          <a:bodyPr wrap="none" rtlCol="0">
+          <a:bodyPr wrap="square" rtlCol="0">
             <a:spAutoFit/>
           </a:bodyPr>
           <a:lstStyle/>
           <a:p>
             <a:r>
-              <a:rPr lang="en-US" dirty="0" smtClean="0">
-                <a:solidFill>
-                  <a:srgbClr val="FF0000"/>
-                </a:solidFill>
-              </a:rPr>
-              <a:t>Find some data/image that </a:t>
-            </a:r>
-          </a:p>
-          <a:p>
-            <a:r>
-              <a:rPr lang="en-US" dirty="0" smtClean="0">
-                <a:solidFill>
-                  <a:srgbClr val="FF0000"/>
-                </a:solidFill>
-              </a:rPr>
-              <a:t>Tells us something about brain development</a:t>
-            </a:r>
-          </a:p>
-          <a:p>
-            <a:r>
-              <a:rPr lang="en-US" dirty="0" smtClean="0">
-                <a:solidFill>
-                  <a:srgbClr val="FF0000"/>
-                </a:solidFill>
-              </a:rPr>
-              <a:t>esp. connectivity in the first 5 years.</a:t>
-            </a:r>
+              <a:rPr lang="en-US" dirty="0"/>
+              <a:t>Functional </a:t>
+            </a:r>
+            <a:r>
+              <a:rPr lang="en-US" dirty="0" smtClean="0"/>
+              <a:t>Connectivity Plastic </a:t>
+            </a:r>
+            <a:r>
+              <a:rPr lang="en-US" dirty="0"/>
+              <a:t>and Modifiable</a:t>
+            </a:r>
+            <a:endParaRPr lang="en-US" dirty="0"/>
           </a:p>
         </p:txBody>
       </p:sp>
@@ -4958,19 +4903,7 @@
           <a:p>
             <a:r>
               <a:rPr lang="en-US" dirty="0" smtClean="0"/>
-              <a:t>     </a:t>
-            </a:r>
-            <a:r>
-              <a:rPr lang="en-US" dirty="0" smtClean="0"/>
-              <a:t>   (</a:t>
-            </a:r>
-            <a:r>
-              <a:rPr lang="en-US" dirty="0" smtClean="0"/>
-              <a:t>up to 5+</a:t>
-            </a:r>
-            <a:r>
-              <a:rPr lang="en-US" dirty="0" smtClean="0"/>
-              <a:t>5)</a:t>
+              <a:t>        (up to 5+5)</a:t>
             </a:r>
             <a:endParaRPr lang="en-US" dirty="0"/>
           </a:p>

--- a/201608LabPresentation.pptx
+++ b/201608LabPresentation.pptx
@@ -3126,15 +3126,7 @@
           <a:p>
             <a:r>
               <a:rPr lang="en-US" sz="2800" dirty="0" smtClean="0"/>
-              <a:t>Considerations Arising from an Updated Computational Model of Early </a:t>
-            </a:r>
-            <a:r>
-              <a:rPr lang="en-US" sz="2800" dirty="0" smtClean="0"/>
-              <a:t>Math Skills </a:t>
-            </a:r>
-            <a:r>
-              <a:rPr lang="en-US" sz="2800" dirty="0" smtClean="0"/>
-              <a:t>and Knowledge</a:t>
+              <a:t>Considerations Arising from an Updated Computational Model of Early Math Skills and Knowledge</a:t>
             </a:r>
             <a:endParaRPr lang="en-US" sz="2800" dirty="0"/>
           </a:p>
@@ -3177,23 +3169,7 @@
                   <a:schemeClr val="tx1"/>
                 </a:solidFill>
               </a:rPr>
-              <a:t> Lab: </a:t>
-            </a:r>
-            <a:r>
-              <a:rPr lang="en-US" sz="2800" dirty="0" smtClean="0">
-                <a:solidFill>
-                  <a:schemeClr val="tx1"/>
-                </a:solidFill>
-              </a:rPr>
-              <a:t>Christian, Lang</a:t>
-            </a:r>
-            <a:r>
-              <a:rPr lang="en-US" sz="2800" dirty="0" smtClean="0">
-                <a:solidFill>
-                  <a:schemeClr val="tx1"/>
-                </a:solidFill>
-              </a:rPr>
-              <a:t>, </a:t>
+              <a:t> Lab: Christian, Lang, </a:t>
             </a:r>
             <a:r>
               <a:rPr lang="en-US" sz="2800" dirty="0" err="1" smtClean="0">
@@ -3220,23 +3196,7 @@
                   <a:schemeClr val="tx1"/>
                 </a:solidFill>
               </a:rPr>
-              <a:t>Interns</a:t>
-            </a:r>
-            <a:r>
-              <a:rPr lang="en-US" sz="2800" dirty="0" smtClean="0">
-                <a:solidFill>
-                  <a:schemeClr val="tx1"/>
-                </a:solidFill>
-              </a:rPr>
-              <a:t>: </a:t>
-            </a:r>
-            <a:r>
-              <a:rPr lang="en-US" sz="2800" dirty="0" smtClean="0">
-                <a:solidFill>
-                  <a:schemeClr val="tx1"/>
-                </a:solidFill>
-              </a:rPr>
-              <a:t>Archer, Eric, Myra, </a:t>
+              <a:t>Interns: Archer, Eric, Myra, </a:t>
             </a:r>
             <a:r>
               <a:rPr lang="en-US" sz="2800" dirty="0" err="1" smtClean="0">
@@ -3254,11 +3214,6 @@
               </a:rPr>
               <a:t> </a:t>
             </a:r>
-            <a:endParaRPr lang="en-US" sz="2800" dirty="0" smtClean="0">
-              <a:solidFill>
-                <a:schemeClr val="tx1"/>
-              </a:solidFill>
-            </a:endParaRPr>
           </a:p>
           <a:p>
             <a:pPr algn="l"/>
@@ -3268,21 +3223,8 @@
                   <a:schemeClr val="tx1"/>
                 </a:solidFill>
               </a:rPr>
-              <a:t>SymSys</a:t>
-            </a:r>
-            <a:r>
-              <a:rPr lang="en-US" sz="2800" dirty="0" smtClean="0">
-                <a:solidFill>
-                  <a:schemeClr val="tx1"/>
-                </a:solidFill>
-              </a:rPr>
-              <a:t>: Jeff</a:t>
-            </a:r>
-            <a:endParaRPr lang="en-US" sz="2800" dirty="0" smtClean="0">
-              <a:solidFill>
-                <a:schemeClr val="tx1"/>
-              </a:solidFill>
-            </a:endParaRPr>
+              <a:t>SymSys: Jeff</a:t>
+            </a:r>
           </a:p>
         </p:txBody>
       </p:sp>
@@ -3912,19 +3854,7 @@
           <a:p>
             <a:r>
               <a:rPr lang="en-US" dirty="0" smtClean="0"/>
-              <a:t>     </a:t>
-            </a:r>
-            <a:r>
-              <a:rPr lang="en-US" dirty="0" smtClean="0"/>
-              <a:t>   (</a:t>
-            </a:r>
-            <a:r>
-              <a:rPr lang="en-US" dirty="0" smtClean="0"/>
-              <a:t>up to 5+</a:t>
-            </a:r>
-            <a:r>
-              <a:rPr lang="en-US" dirty="0" smtClean="0"/>
-              <a:t>5)</a:t>
+              <a:t>        (up to 5+5)</a:t>
             </a:r>
             <a:endParaRPr lang="en-US" dirty="0"/>
           </a:p>
@@ -3983,7 +3913,7 @@
         </p:nvSpPr>
         <p:spPr>
           <a:xfrm rot="20990559">
-            <a:off x="785229" y="2165838"/>
+            <a:off x="746352" y="2152880"/>
             <a:ext cx="4505278" cy="1429897"/>
           </a:xfrm>
           <a:prstGeom prst="ellipse">
@@ -4078,16 +4008,46 @@
           </a:prstGeom>
         </p:spPr>
       </p:pic>
-      <p:sp>
-        <p:nvSpPr>
-          <p:cNvPr id="3" name="TextBox 2"/>
+      <p:pic>
+        <p:nvPicPr>
+          <p:cNvPr id="4" name="Picture 3" descr="F4.medium.gif"/>
+          <p:cNvPicPr>
+            <a:picLocks noChangeAspect="1"/>
+          </p:cNvPicPr>
+          <p:nvPr/>
+        </p:nvPicPr>
+        <p:blipFill>
+          <a:blip r:embed="rId4">
+            <a:extLst>
+              <a:ext uri="{28A0092B-C50C-407E-A947-70E740481C1C}">
+                <a14:useLocalDpi xmlns:a14="http://schemas.microsoft.com/office/drawing/2010/main" val="0"/>
+              </a:ext>
+            </a:extLst>
+          </a:blip>
+          <a:stretch>
+            <a:fillRect/>
+          </a:stretch>
+        </p:blipFill>
+        <p:spPr>
+          <a:xfrm>
+            <a:off x="215078" y="3991367"/>
+            <a:ext cx="3724474" cy="2784891"/>
+          </a:xfrm>
+          <a:prstGeom prst="rect">
+            <a:avLst/>
+          </a:prstGeom>
+        </p:spPr>
+      </p:pic>
+      <p:sp>
+        <p:nvSpPr>
+          <p:cNvPr id="18" name="TextBox 17"/>
           <p:cNvSpPr txBox="1"/>
           <p:nvPr/>
         </p:nvSpPr>
         <p:spPr>
           <a:xfrm>
-            <a:off x="626727" y="4546795"/>
-            <a:ext cx="4365298" cy="923330"/>
+            <a:off x="2289984" y="6164966"/>
+            <a:ext cx="2608776" cy="646331"/>
           </a:xfrm>
           <a:prstGeom prst="rect">
             <a:avLst/>
@@ -4095,39 +4055,24 @@
           <a:noFill/>
         </p:spPr>
         <p:txBody>
-          <a:bodyPr wrap="none" rtlCol="0">
+          <a:bodyPr wrap="square" rtlCol="0">
             <a:spAutoFit/>
           </a:bodyPr>
           <a:lstStyle/>
           <a:p>
             <a:r>
-              <a:rPr lang="en-US" dirty="0" smtClean="0">
-                <a:solidFill>
-                  <a:srgbClr val="FF0000"/>
-                </a:solidFill>
-              </a:rPr>
-              <a:t>Find some data/image that </a:t>
-            </a:r>
-          </a:p>
-          <a:p>
-            <a:r>
-              <a:rPr lang="en-US" dirty="0" smtClean="0">
-                <a:solidFill>
-                  <a:srgbClr val="FF0000"/>
-                </a:solidFill>
-              </a:rPr>
-              <a:t>Tells us something about brain development</a:t>
-            </a:r>
-          </a:p>
-          <a:p>
-            <a:r>
-              <a:rPr lang="en-US" dirty="0" smtClean="0">
-                <a:solidFill>
-                  <a:srgbClr val="FF0000"/>
-                </a:solidFill>
-              </a:rPr>
-              <a:t>esp. connectivity in the first 5 years.</a:t>
-            </a:r>
+              <a:rPr lang="en-US" dirty="0"/>
+              <a:t>Functional </a:t>
+            </a:r>
+            <a:r>
+              <a:rPr lang="en-US" dirty="0" smtClean="0"/>
+              <a:t>Connectivity Plastic </a:t>
+            </a:r>
+            <a:r>
+              <a:rPr lang="en-US" dirty="0"/>
+              <a:t>and Modifiable</a:t>
+            </a:r>
+            <a:endParaRPr lang="en-US" dirty="0"/>
           </a:p>
         </p:txBody>
       </p:sp>
@@ -4958,19 +4903,7 @@
           <a:p>
             <a:r>
               <a:rPr lang="en-US" dirty="0" smtClean="0"/>
-              <a:t>     </a:t>
-            </a:r>
-            <a:r>
-              <a:rPr lang="en-US" dirty="0" smtClean="0"/>
-              <a:t>   (</a:t>
-            </a:r>
-            <a:r>
-              <a:rPr lang="en-US" dirty="0" smtClean="0"/>
-              <a:t>up to 5+</a:t>
-            </a:r>
-            <a:r>
-              <a:rPr lang="en-US" dirty="0" smtClean="0"/>
-              <a:t>5)</a:t>
+              <a:t>        (up to 5+5)</a:t>
             </a:r>
             <a:endParaRPr lang="en-US" dirty="0"/>
           </a:p>
@@ -5333,7 +5266,11 @@
             </a:pPr>
             <a:r>
               <a:rPr lang="en-US" dirty="0" smtClean="0"/>
-              <a:t>The problem of individual identity (starting with random values)</a:t>
+              <a:t>The problem of individual identity (starting with random </a:t>
+            </a:r>
+            <a:r>
+              <a:rPr lang="en-US" smtClean="0"/>
+              <a:t>values)</a:t>
             </a:r>
             <a:endParaRPr lang="en-US" dirty="0"/>
           </a:p>
